--- a/스토리보드/3학년/3차/박만구/suhi_p_0301_04_0001_v2.pptx
+++ b/스토리보드/3학년/3차/박만구/suhi_p_0301_04_0001_v2.pptx
@@ -150,7 +150,7 @@
   </p:defaultTextStyle>
   <p:extLst>
     <p:ext uri="{EFAFB233-063F-42B5-8137-9DF3F51BA10A}">
-      <p15:sldGuideLst xmlns="" xmlns:p15="http://schemas.microsoft.com/office/powerpoint/2012/main">
+      <p15:sldGuideLst xmlns:p15="http://schemas.microsoft.com/office/powerpoint/2012/main">
         <p15:guide id="1" orient="horz" pos="4292">
           <p15:clr>
             <a:srgbClr val="A4A3A4"/>
@@ -164,7 +164,7 @@
       </p15:sldGuideLst>
     </p:ext>
     <p:ext uri="{2D200454-40CA-4A62-9FC3-DE9A4176ACB9}">
-      <p15:notesGuideLst xmlns="" xmlns:p15="http://schemas.microsoft.com/office/powerpoint/2012/main">
+      <p15:notesGuideLst xmlns:p15="http://schemas.microsoft.com/office/powerpoint/2012/main">
         <p15:guide id="1" orient="horz" pos="3127">
           <p15:clr>
             <a:srgbClr val="A4A3A4"/>
@@ -1714,14 +1714,14 @@
                 <a:gridCol w="6938661">
                   <a:extLst>
                     <a:ext uri="{9D8B030D-6E8A-4147-A177-3AD203B41FA5}">
-                      <a16:colId xmlns="" xmlns:a16="http://schemas.microsoft.com/office/drawing/2014/main" val="20000"/>
+                      <a16:colId xmlns:a16="http://schemas.microsoft.com/office/drawing/2014/main" val="20000"/>
                     </a:ext>
                   </a:extLst>
                 </a:gridCol>
                 <a:gridCol w="2124376">
                   <a:extLst>
                     <a:ext uri="{9D8B030D-6E8A-4147-A177-3AD203B41FA5}">
-                      <a16:colId xmlns="" xmlns:a16="http://schemas.microsoft.com/office/drawing/2014/main" val="20001"/>
+                      <a16:colId xmlns:a16="http://schemas.microsoft.com/office/drawing/2014/main" val="20001"/>
                     </a:ext>
                   </a:extLst>
                 </a:gridCol>
@@ -1904,7 +1904,7 @@
                 </a:tc>
                 <a:extLst>
                   <a:ext uri="{0D108BD9-81ED-4DB2-BD59-A6C34878D82A}">
-                    <a16:rowId xmlns="" xmlns:a16="http://schemas.microsoft.com/office/drawing/2014/main" val="10000"/>
+                    <a16:rowId xmlns:a16="http://schemas.microsoft.com/office/drawing/2014/main" val="10000"/>
                   </a:ext>
                 </a:extLst>
               </a:tr>
@@ -1932,56 +1932,56 @@
                 <a:gridCol w="780574">
                   <a:extLst>
                     <a:ext uri="{9D8B030D-6E8A-4147-A177-3AD203B41FA5}">
-                      <a16:colId xmlns="" xmlns:a16="http://schemas.microsoft.com/office/drawing/2014/main" val="20000"/>
+                      <a16:colId xmlns:a16="http://schemas.microsoft.com/office/drawing/2014/main" val="20000"/>
                     </a:ext>
                   </a:extLst>
                 </a:gridCol>
                 <a:gridCol w="889949">
                   <a:extLst>
                     <a:ext uri="{9D8B030D-6E8A-4147-A177-3AD203B41FA5}">
-                      <a16:colId xmlns="" xmlns:a16="http://schemas.microsoft.com/office/drawing/2014/main" val="20001"/>
+                      <a16:colId xmlns:a16="http://schemas.microsoft.com/office/drawing/2014/main" val="20001"/>
                     </a:ext>
                   </a:extLst>
                 </a:gridCol>
                 <a:gridCol w="540056">
                   <a:extLst>
                     <a:ext uri="{9D8B030D-6E8A-4147-A177-3AD203B41FA5}">
-                      <a16:colId xmlns="" xmlns:a16="http://schemas.microsoft.com/office/drawing/2014/main" val="20002"/>
+                      <a16:colId xmlns:a16="http://schemas.microsoft.com/office/drawing/2014/main" val="20002"/>
                     </a:ext>
                   </a:extLst>
                 </a:gridCol>
                 <a:gridCol w="2772323">
                   <a:extLst>
                     <a:ext uri="{9D8B030D-6E8A-4147-A177-3AD203B41FA5}">
-                      <a16:colId xmlns="" xmlns:a16="http://schemas.microsoft.com/office/drawing/2014/main" val="20003"/>
+                      <a16:colId xmlns:a16="http://schemas.microsoft.com/office/drawing/2014/main" val="20003"/>
                     </a:ext>
                   </a:extLst>
                 </a:gridCol>
                 <a:gridCol w="648072">
                   <a:extLst>
                     <a:ext uri="{9D8B030D-6E8A-4147-A177-3AD203B41FA5}">
-                      <a16:colId xmlns="" xmlns:a16="http://schemas.microsoft.com/office/drawing/2014/main" val="20004"/>
+                      <a16:colId xmlns:a16="http://schemas.microsoft.com/office/drawing/2014/main" val="20004"/>
                     </a:ext>
                   </a:extLst>
                 </a:gridCol>
                 <a:gridCol w="1330199">
                   <a:extLst>
                     <a:ext uri="{9D8B030D-6E8A-4147-A177-3AD203B41FA5}">
-                      <a16:colId xmlns="" xmlns:a16="http://schemas.microsoft.com/office/drawing/2014/main" val="20005"/>
+                      <a16:colId xmlns:a16="http://schemas.microsoft.com/office/drawing/2014/main" val="20005"/>
                     </a:ext>
                   </a:extLst>
                 </a:gridCol>
                 <a:gridCol w="730255">
                   <a:extLst>
                     <a:ext uri="{9D8B030D-6E8A-4147-A177-3AD203B41FA5}">
-                      <a16:colId xmlns="" xmlns:a16="http://schemas.microsoft.com/office/drawing/2014/main" val="20006"/>
+                      <a16:colId xmlns:a16="http://schemas.microsoft.com/office/drawing/2014/main" val="20006"/>
                     </a:ext>
                   </a:extLst>
                 </a:gridCol>
                 <a:gridCol w="1350972">
                   <a:extLst>
                     <a:ext uri="{9D8B030D-6E8A-4147-A177-3AD203B41FA5}">
-                      <a16:colId xmlns="" xmlns:a16="http://schemas.microsoft.com/office/drawing/2014/main" val="20007"/>
+                      <a16:colId xmlns:a16="http://schemas.microsoft.com/office/drawing/2014/main" val="20007"/>
                     </a:ext>
                   </a:extLst>
                 </a:gridCol>
@@ -2586,7 +2586,7 @@
                 </a:tc>
                 <a:extLst>
                   <a:ext uri="{0D108BD9-81ED-4DB2-BD59-A6C34878D82A}">
-                    <a16:rowId xmlns="" xmlns:a16="http://schemas.microsoft.com/office/drawing/2014/main" val="10000"/>
+                    <a16:rowId xmlns:a16="http://schemas.microsoft.com/office/drawing/2014/main" val="10000"/>
                   </a:ext>
                 </a:extLst>
               </a:tr>
@@ -3051,7 +3051,7 @@
                 </a:tc>
                 <a:extLst>
                   <a:ext uri="{0D108BD9-81ED-4DB2-BD59-A6C34878D82A}">
-                    <a16:rowId xmlns="" xmlns:a16="http://schemas.microsoft.com/office/drawing/2014/main" val="10001"/>
+                    <a16:rowId xmlns:a16="http://schemas.microsoft.com/office/drawing/2014/main" val="10001"/>
                   </a:ext>
                 </a:extLst>
               </a:tr>
@@ -3125,7 +3125,7 @@
                 <a:gridCol w="6923853">
                   <a:extLst>
                     <a:ext uri="{9D8B030D-6E8A-4147-A177-3AD203B41FA5}">
-                      <a16:colId xmlns="" xmlns:a16="http://schemas.microsoft.com/office/drawing/2014/main" val="20000"/>
+                      <a16:colId xmlns:a16="http://schemas.microsoft.com/office/drawing/2014/main" val="20000"/>
                     </a:ext>
                   </a:extLst>
                 </a:gridCol>
@@ -3185,7 +3185,7 @@
                 </a:tc>
                 <a:extLst>
                   <a:ext uri="{0D108BD9-81ED-4DB2-BD59-A6C34878D82A}">
-                    <a16:rowId xmlns="" xmlns:a16="http://schemas.microsoft.com/office/drawing/2014/main" val="10000"/>
+                    <a16:rowId xmlns:a16="http://schemas.microsoft.com/office/drawing/2014/main" val="10000"/>
                   </a:ext>
                 </a:extLst>
               </a:tr>
@@ -3213,7 +3213,7 @@
                 <a:gridCol w="576263">
                   <a:extLst>
                     <a:ext uri="{9D8B030D-6E8A-4147-A177-3AD203B41FA5}">
-                      <a16:colId xmlns="" xmlns:a16="http://schemas.microsoft.com/office/drawing/2014/main" val="20000"/>
+                      <a16:colId xmlns:a16="http://schemas.microsoft.com/office/drawing/2014/main" val="20000"/>
                     </a:ext>
                   </a:extLst>
                 </a:gridCol>
@@ -3320,7 +3320,7 @@
                 </a:tc>
                 <a:extLst>
                   <a:ext uri="{0D108BD9-81ED-4DB2-BD59-A6C34878D82A}">
-                    <a16:rowId xmlns="" xmlns:a16="http://schemas.microsoft.com/office/drawing/2014/main" val="10000"/>
+                    <a16:rowId xmlns:a16="http://schemas.microsoft.com/office/drawing/2014/main" val="10000"/>
                   </a:ext>
                 </a:extLst>
               </a:tr>
@@ -3927,42 +3927,42 @@
                 <a:gridCol w="423863">
                   <a:extLst>
                     <a:ext uri="{9D8B030D-6E8A-4147-A177-3AD203B41FA5}">
-                      <a16:colId xmlns="" xmlns:a16="http://schemas.microsoft.com/office/drawing/2014/main" val="20000"/>
+                      <a16:colId xmlns:a16="http://schemas.microsoft.com/office/drawing/2014/main" val="20000"/>
                     </a:ext>
                   </a:extLst>
                 </a:gridCol>
                 <a:gridCol w="560387">
                   <a:extLst>
                     <a:ext uri="{9D8B030D-6E8A-4147-A177-3AD203B41FA5}">
-                      <a16:colId xmlns="" xmlns:a16="http://schemas.microsoft.com/office/drawing/2014/main" val="20001"/>
+                      <a16:colId xmlns:a16="http://schemas.microsoft.com/office/drawing/2014/main" val="20001"/>
                     </a:ext>
                   </a:extLst>
                 </a:gridCol>
                 <a:gridCol w="984250">
                   <a:extLst>
                     <a:ext uri="{9D8B030D-6E8A-4147-A177-3AD203B41FA5}">
-                      <a16:colId xmlns="" xmlns:a16="http://schemas.microsoft.com/office/drawing/2014/main" val="20002"/>
+                      <a16:colId xmlns:a16="http://schemas.microsoft.com/office/drawing/2014/main" val="20002"/>
                     </a:ext>
                   </a:extLst>
                 </a:gridCol>
                 <a:gridCol w="4926013">
                   <a:extLst>
                     <a:ext uri="{9D8B030D-6E8A-4147-A177-3AD203B41FA5}">
-                      <a16:colId xmlns="" xmlns:a16="http://schemas.microsoft.com/office/drawing/2014/main" val="20003"/>
+                      <a16:colId xmlns:a16="http://schemas.microsoft.com/office/drawing/2014/main" val="20003"/>
                     </a:ext>
                   </a:extLst>
                 </a:gridCol>
                 <a:gridCol w="1243012">
                   <a:extLst>
                     <a:ext uri="{9D8B030D-6E8A-4147-A177-3AD203B41FA5}">
-                      <a16:colId xmlns="" xmlns:a16="http://schemas.microsoft.com/office/drawing/2014/main" val="20004"/>
+                      <a16:colId xmlns:a16="http://schemas.microsoft.com/office/drawing/2014/main" val="20004"/>
                     </a:ext>
                   </a:extLst>
                 </a:gridCol>
                 <a:gridCol w="792163">
                   <a:extLst>
                     <a:ext uri="{9D8B030D-6E8A-4147-A177-3AD203B41FA5}">
-                      <a16:colId xmlns="" xmlns:a16="http://schemas.microsoft.com/office/drawing/2014/main" val="20005"/>
+                      <a16:colId xmlns:a16="http://schemas.microsoft.com/office/drawing/2014/main" val="20005"/>
                     </a:ext>
                   </a:extLst>
                 </a:gridCol>
@@ -4550,7 +4550,7 @@
                 </a:tc>
                 <a:extLst>
                   <a:ext uri="{0D108BD9-81ED-4DB2-BD59-A6C34878D82A}">
-                    <a16:rowId xmlns="" xmlns:a16="http://schemas.microsoft.com/office/drawing/2014/main" val="10000"/>
+                    <a16:rowId xmlns:a16="http://schemas.microsoft.com/office/drawing/2014/main" val="10000"/>
                   </a:ext>
                 </a:extLst>
               </a:tr>
@@ -5074,7 +5074,7 @@
                 </a:tc>
                 <a:extLst>
                   <a:ext uri="{0D108BD9-81ED-4DB2-BD59-A6C34878D82A}">
-                    <a16:rowId xmlns="" xmlns:a16="http://schemas.microsoft.com/office/drawing/2014/main" val="10001"/>
+                    <a16:rowId xmlns:a16="http://schemas.microsoft.com/office/drawing/2014/main" val="10001"/>
                   </a:ext>
                 </a:extLst>
               </a:tr>
@@ -5191,33 +5191,8 @@
                           <a:latin typeface="맑은 고딕" pitchFamily="50" charset="-127"/>
                           <a:ea typeface="맑은 고딕" pitchFamily="50" charset="-127"/>
                         </a:rPr>
-                        <a:t>V </a:t>
+                        <a:t>V 1.0</a:t>
                       </a:r>
-                      <a:r>
-                        <a:rPr kumimoji="0" lang="en-US" altLang="ko-KR" sz="1000" b="0" i="0" u="none" strike="noStrike" cap="none" normalizeH="0" baseline="0" dirty="0" smtClean="0">
-                          <a:ln>
-                            <a:noFill/>
-                          </a:ln>
-                          <a:solidFill>
-                            <a:schemeClr val="tx1"/>
-                          </a:solidFill>
-                          <a:effectLst/>
-                          <a:latin typeface="맑은 고딕" pitchFamily="50" charset="-127"/>
-                          <a:ea typeface="맑은 고딕" pitchFamily="50" charset="-127"/>
-                        </a:rPr>
-                        <a:t>1.0</a:t>
-                      </a:r>
-                      <a:endParaRPr kumimoji="0" lang="en-US" altLang="ko-KR" sz="1000" b="0" i="0" u="none" strike="noStrike" cap="none" normalizeH="0" baseline="0" dirty="0">
-                        <a:ln>
-                          <a:noFill/>
-                        </a:ln>
-                        <a:solidFill>
-                          <a:schemeClr val="tx1"/>
-                        </a:solidFill>
-                        <a:effectLst/>
-                        <a:latin typeface="맑은 고딕" pitchFamily="50" charset="-127"/>
-                        <a:ea typeface="맑은 고딕" pitchFamily="50" charset="-127"/>
-                      </a:endParaRPr>
                     </a:p>
                   </a:txBody>
                   <a:tcPr marL="54000" marR="54000" marT="36000" marB="36000" anchor="ctr" horzOverflow="overflow">
@@ -5290,7 +5265,7 @@
                         <a:tabLst/>
                       </a:pPr>
                       <a:r>
-                        <a:rPr kumimoji="0" lang="en-US" altLang="ko-KR" sz="1000" b="0" i="0" u="none" strike="noStrike" cap="none" normalizeH="0" baseline="0" dirty="0" smtClean="0">
+                        <a:rPr kumimoji="0" lang="en-US" altLang="ko-KR" sz="1000" b="0" i="0" u="none" strike="noStrike" cap="none" normalizeH="0" baseline="0" dirty="0">
                           <a:ln>
                             <a:noFill/>
                           </a:ln>
@@ -5303,17 +5278,6 @@
                         </a:rPr>
                         <a:t>2022.02.15</a:t>
                       </a:r>
-                      <a:endParaRPr kumimoji="0" lang="en-US" altLang="ko-KR" sz="1000" b="0" i="0" u="none" strike="noStrike" cap="none" normalizeH="0" baseline="0" dirty="0">
-                        <a:ln>
-                          <a:noFill/>
-                        </a:ln>
-                        <a:solidFill>
-                          <a:schemeClr val="tx1"/>
-                        </a:solidFill>
-                        <a:effectLst/>
-                        <a:latin typeface="맑은 고딕" pitchFamily="50" charset="-127"/>
-                        <a:ea typeface="맑은 고딕" pitchFamily="50" charset="-127"/>
-                      </a:endParaRPr>
                     </a:p>
                   </a:txBody>
                   <a:tcPr marL="54000" marR="54000" marT="36000" marB="36000" anchor="ctr" horzOverflow="overflow">
@@ -5648,7 +5612,7 @@
                 </a:tc>
                 <a:extLst>
                   <a:ext uri="{0D108BD9-81ED-4DB2-BD59-A6C34878D82A}">
-                    <a16:rowId xmlns="" xmlns:a16="http://schemas.microsoft.com/office/drawing/2014/main" val="10002"/>
+                    <a16:rowId xmlns:a16="http://schemas.microsoft.com/office/drawing/2014/main" val="10002"/>
                   </a:ext>
                 </a:extLst>
               </a:tr>
@@ -5765,33 +5729,8 @@
                           <a:latin typeface="맑은 고딕" pitchFamily="50" charset="-127"/>
                           <a:ea typeface="맑은 고딕" pitchFamily="50" charset="-127"/>
                         </a:rPr>
-                        <a:t>V </a:t>
+                        <a:t>V 2.0</a:t>
                       </a:r>
-                      <a:r>
-                        <a:rPr kumimoji="0" lang="en-US" altLang="ko-KR" sz="1000" b="0" i="0" u="none" strike="noStrike" cap="none" normalizeH="0" baseline="0" dirty="0" smtClean="0">
-                          <a:ln>
-                            <a:noFill/>
-                          </a:ln>
-                          <a:solidFill>
-                            <a:schemeClr val="tx1"/>
-                          </a:solidFill>
-                          <a:effectLst/>
-                          <a:latin typeface="맑은 고딕" pitchFamily="50" charset="-127"/>
-                          <a:ea typeface="맑은 고딕" pitchFamily="50" charset="-127"/>
-                        </a:rPr>
-                        <a:t>2.0</a:t>
-                      </a:r>
-                      <a:endParaRPr kumimoji="0" lang="en-US" altLang="ko-KR" sz="1000" b="0" i="0" u="none" strike="noStrike" cap="none" normalizeH="0" baseline="0" dirty="0">
-                        <a:ln>
-                          <a:noFill/>
-                        </a:ln>
-                        <a:solidFill>
-                          <a:schemeClr val="tx1"/>
-                        </a:solidFill>
-                        <a:effectLst/>
-                        <a:latin typeface="맑은 고딕" pitchFamily="50" charset="-127"/>
-                        <a:ea typeface="맑은 고딕" pitchFamily="50" charset="-127"/>
-                      </a:endParaRPr>
                     </a:p>
                   </a:txBody>
                   <a:tcPr marL="54000" marR="54000" marT="36000" marB="36000" anchor="ctr" horzOverflow="overflow">
@@ -5864,7 +5803,7 @@
                         <a:tabLst/>
                       </a:pPr>
                       <a:r>
-                        <a:rPr kumimoji="0" lang="en-US" altLang="ko-KR" sz="1000" b="0" i="0" u="none" strike="noStrike" cap="none" normalizeH="0" baseline="0" dirty="0" smtClean="0">
+                        <a:rPr kumimoji="0" lang="en-US" altLang="ko-KR" sz="1000" b="0" i="0" u="none" strike="noStrike" cap="none" normalizeH="0" baseline="0" dirty="0">
                           <a:ln>
                             <a:noFill/>
                           </a:ln>
@@ -5877,17 +5816,6 @@
                         </a:rPr>
                         <a:t>2022.02.17</a:t>
                       </a:r>
-                      <a:endParaRPr kumimoji="0" lang="en-US" altLang="ko-KR" sz="1000" b="0" i="0" u="none" strike="noStrike" cap="none" normalizeH="0" baseline="0" dirty="0">
-                        <a:ln>
-                          <a:noFill/>
-                        </a:ln>
-                        <a:solidFill>
-                          <a:schemeClr val="tx1"/>
-                        </a:solidFill>
-                        <a:effectLst/>
-                        <a:latin typeface="맑은 고딕" pitchFamily="50" charset="-127"/>
-                        <a:ea typeface="맑은 고딕" pitchFamily="50" charset="-127"/>
-                      </a:endParaRPr>
                     </a:p>
                   </a:txBody>
                   <a:tcPr marL="54000" marR="54000" marT="36000" marB="36000" anchor="ctr" horzOverflow="overflow">
@@ -5960,7 +5888,7 @@
                         <a:tabLst/>
                       </a:pPr>
                       <a:r>
-                        <a:rPr kumimoji="0" lang="ko-KR" altLang="en-US" sz="1000" b="0" i="0" u="none" strike="noStrike" cap="none" normalizeH="0" baseline="0" dirty="0" smtClean="0">
+                        <a:rPr kumimoji="0" lang="ko-KR" altLang="en-US" sz="1000" b="0" i="0" u="none" strike="noStrike" cap="none" normalizeH="0" baseline="0" dirty="0">
                           <a:ln>
                             <a:noFill/>
                           </a:ln>
@@ -6138,7 +6066,7 @@
                         <a:tabLst/>
                       </a:pPr>
                       <a:r>
-                        <a:rPr kumimoji="0" lang="ko-KR" altLang="en-US" sz="1000" b="0" i="0" u="none" strike="noStrike" cap="none" normalizeH="0" baseline="0" dirty="0" smtClean="0">
+                        <a:rPr kumimoji="0" lang="ko-KR" altLang="en-US" sz="1000" b="0" i="0" u="none" strike="noStrike" cap="none" normalizeH="0" baseline="0" dirty="0">
                           <a:ln>
                             <a:noFill/>
                           </a:ln>
@@ -6208,7 +6136,7 @@
                 </a:tc>
                 <a:extLst>
                   <a:ext uri="{0D108BD9-81ED-4DB2-BD59-A6C34878D82A}">
-                    <a16:rowId xmlns="" xmlns:a16="http://schemas.microsoft.com/office/drawing/2014/main" val="10003"/>
+                    <a16:rowId xmlns:a16="http://schemas.microsoft.com/office/drawing/2014/main" val="10003"/>
                   </a:ext>
                 </a:extLst>
               </a:tr>
@@ -6325,33 +6253,8 @@
                           <a:latin typeface="맑은 고딕" pitchFamily="50" charset="-127"/>
                           <a:ea typeface="맑은 고딕" pitchFamily="50" charset="-127"/>
                         </a:rPr>
-                        <a:t>V </a:t>
+                        <a:t>V 2.0</a:t>
                       </a:r>
-                      <a:r>
-                        <a:rPr kumimoji="0" lang="en-US" altLang="ko-KR" sz="1000" b="0" i="0" u="none" strike="noStrike" cap="none" normalizeH="0" baseline="0" dirty="0" smtClean="0">
-                          <a:ln>
-                            <a:noFill/>
-                          </a:ln>
-                          <a:solidFill>
-                            <a:schemeClr val="tx1"/>
-                          </a:solidFill>
-                          <a:effectLst/>
-                          <a:latin typeface="맑은 고딕" pitchFamily="50" charset="-127"/>
-                          <a:ea typeface="맑은 고딕" pitchFamily="50" charset="-127"/>
-                        </a:rPr>
-                        <a:t>2.0</a:t>
-                      </a:r>
-                      <a:endParaRPr kumimoji="0" lang="en-US" altLang="ko-KR" sz="1000" b="0" i="0" u="none" strike="noStrike" cap="none" normalizeH="0" baseline="0" dirty="0">
-                        <a:ln>
-                          <a:noFill/>
-                        </a:ln>
-                        <a:solidFill>
-                          <a:schemeClr val="tx1"/>
-                        </a:solidFill>
-                        <a:effectLst/>
-                        <a:latin typeface="맑은 고딕" pitchFamily="50" charset="-127"/>
-                        <a:ea typeface="맑은 고딕" pitchFamily="50" charset="-127"/>
-                      </a:endParaRPr>
                     </a:p>
                   </a:txBody>
                   <a:tcPr marL="54000" marR="54000" marT="36000" marB="36000" anchor="ctr" horzOverflow="overflow">
@@ -6424,7 +6327,7 @@
                         <a:tabLst/>
                       </a:pPr>
                       <a:r>
-                        <a:rPr kumimoji="0" lang="en-US" altLang="ko-KR" sz="1000" b="0" i="0" u="none" strike="noStrike" cap="none" normalizeH="0" baseline="0" dirty="0" smtClean="0">
+                        <a:rPr kumimoji="0" lang="en-US" altLang="ko-KR" sz="1000" b="0" i="0" u="none" strike="noStrike" cap="none" normalizeH="0" baseline="0" dirty="0">
                           <a:ln>
                             <a:noFill/>
                           </a:ln>
@@ -6437,17 +6340,6 @@
                         </a:rPr>
                         <a:t>2022.02.17</a:t>
                       </a:r>
-                      <a:endParaRPr kumimoji="0" lang="en-US" altLang="ko-KR" sz="1000" b="0" i="0" u="none" strike="noStrike" cap="none" normalizeH="0" baseline="0" dirty="0">
-                        <a:ln>
-                          <a:noFill/>
-                        </a:ln>
-                        <a:solidFill>
-                          <a:schemeClr val="tx1"/>
-                        </a:solidFill>
-                        <a:effectLst/>
-                        <a:latin typeface="맑은 고딕" pitchFamily="50" charset="-127"/>
-                        <a:ea typeface="맑은 고딕" pitchFamily="50" charset="-127"/>
-                      </a:endParaRPr>
                     </a:p>
                   </a:txBody>
                   <a:tcPr marL="54000" marR="54000" marT="36000" marB="36000" anchor="ctr" horzOverflow="overflow">
@@ -6520,7 +6412,7 @@
                         <a:tabLst/>
                       </a:pPr>
                       <a:r>
-                        <a:rPr kumimoji="0" lang="en-US" altLang="ko-KR" sz="1000" b="0" i="0" u="none" strike="noStrike" cap="none" normalizeH="0" baseline="0" dirty="0" smtClean="0">
+                        <a:rPr kumimoji="0" lang="en-US" altLang="ko-KR" sz="1000" b="0" i="0" u="none" strike="noStrike" cap="none" normalizeH="0" baseline="0" dirty="0">
                           <a:ln>
                             <a:noFill/>
                           </a:ln>
@@ -6534,20 +6426,6 @@
                         <a:t>2</a:t>
                       </a:r>
                       <a:r>
-                        <a:rPr kumimoji="0" lang="ko-KR" altLang="en-US" sz="1000" b="0" i="0" u="none" strike="noStrike" cap="none" normalizeH="0" baseline="0" dirty="0" smtClean="0">
-                          <a:ln>
-                            <a:noFill/>
-                          </a:ln>
-                          <a:solidFill>
-                            <a:schemeClr val="tx1"/>
-                          </a:solidFill>
-                          <a:effectLst/>
-                          <a:latin typeface="맑은 고딕" pitchFamily="50" charset="-127"/>
-                          <a:ea typeface="맑은 고딕" pitchFamily="50" charset="-127"/>
-                        </a:rPr>
-                        <a:t>차 </a:t>
-                      </a:r>
-                      <a:r>
                         <a:rPr kumimoji="0" lang="ko-KR" altLang="en-US" sz="1000" b="0" i="0" u="none" strike="noStrike" cap="none" normalizeH="0" baseline="0" dirty="0">
                           <a:ln>
                             <a:noFill/>
@@ -6559,7 +6437,7 @@
                           <a:latin typeface="맑은 고딕" pitchFamily="50" charset="-127"/>
                           <a:ea typeface="맑은 고딕" pitchFamily="50" charset="-127"/>
                         </a:rPr>
-                        <a:t>검수</a:t>
+                        <a:t>차 검수</a:t>
                       </a:r>
                       <a:endParaRPr kumimoji="0" lang="ko-KR" altLang="ko-KR" sz="1000" b="0" i="0" u="none" strike="noStrike" cap="none" normalizeH="0" baseline="0" dirty="0">
                         <a:ln>
@@ -6726,7 +6604,7 @@
                         <a:tabLst/>
                       </a:pPr>
                       <a:r>
-                        <a:rPr kumimoji="0" lang="ko-KR" altLang="en-US" sz="1000" b="0" i="0" u="none" strike="noStrike" cap="none" normalizeH="0" baseline="0" dirty="0" smtClean="0">
+                        <a:rPr kumimoji="0" lang="ko-KR" altLang="en-US" sz="1000" b="0" i="0" u="none" strike="noStrike" cap="none" normalizeH="0" baseline="0" dirty="0">
                           <a:ln>
                             <a:noFill/>
                           </a:ln>
@@ -6796,7 +6674,7 @@
                 </a:tc>
                 <a:extLst>
                   <a:ext uri="{0D108BD9-81ED-4DB2-BD59-A6C34878D82A}">
-                    <a16:rowId xmlns="" xmlns:a16="http://schemas.microsoft.com/office/drawing/2014/main" val="10004"/>
+                    <a16:rowId xmlns:a16="http://schemas.microsoft.com/office/drawing/2014/main" val="10004"/>
                   </a:ext>
                 </a:extLst>
               </a:tr>
@@ -7286,7 +7164,7 @@
                 </a:tc>
                 <a:extLst>
                   <a:ext uri="{0D108BD9-81ED-4DB2-BD59-A6C34878D82A}">
-                    <a16:rowId xmlns="" xmlns:a16="http://schemas.microsoft.com/office/drawing/2014/main" val="10005"/>
+                    <a16:rowId xmlns:a16="http://schemas.microsoft.com/office/drawing/2014/main" val="10005"/>
                   </a:ext>
                 </a:extLst>
               </a:tr>
@@ -7776,7 +7654,7 @@
                 </a:tc>
                 <a:extLst>
                   <a:ext uri="{0D108BD9-81ED-4DB2-BD59-A6C34878D82A}">
-                    <a16:rowId xmlns="" xmlns:a16="http://schemas.microsoft.com/office/drawing/2014/main" val="10006"/>
+                    <a16:rowId xmlns:a16="http://schemas.microsoft.com/office/drawing/2014/main" val="10006"/>
                   </a:ext>
                 </a:extLst>
               </a:tr>
@@ -8266,7 +8144,7 @@
                 </a:tc>
                 <a:extLst>
                   <a:ext uri="{0D108BD9-81ED-4DB2-BD59-A6C34878D82A}">
-                    <a16:rowId xmlns="" xmlns:a16="http://schemas.microsoft.com/office/drawing/2014/main" val="10007"/>
+                    <a16:rowId xmlns:a16="http://schemas.microsoft.com/office/drawing/2014/main" val="10007"/>
                   </a:ext>
                 </a:extLst>
               </a:tr>
@@ -8767,7 +8645,7 @@
                 </a:tc>
                 <a:extLst>
                   <a:ext uri="{0D108BD9-81ED-4DB2-BD59-A6C34878D82A}">
-                    <a16:rowId xmlns="" xmlns:a16="http://schemas.microsoft.com/office/drawing/2014/main" val="10008"/>
+                    <a16:rowId xmlns:a16="http://schemas.microsoft.com/office/drawing/2014/main" val="10008"/>
                   </a:ext>
                 </a:extLst>
               </a:tr>
@@ -9268,7 +9146,7 @@
                 </a:tc>
                 <a:extLst>
                   <a:ext uri="{0D108BD9-81ED-4DB2-BD59-A6C34878D82A}">
-                    <a16:rowId xmlns="" xmlns:a16="http://schemas.microsoft.com/office/drawing/2014/main" val="10009"/>
+                    <a16:rowId xmlns:a16="http://schemas.microsoft.com/office/drawing/2014/main" val="10009"/>
                   </a:ext>
                 </a:extLst>
               </a:tr>
@@ -9769,7 +9647,7 @@
                 </a:tc>
                 <a:extLst>
                   <a:ext uri="{0D108BD9-81ED-4DB2-BD59-A6C34878D82A}">
-                    <a16:rowId xmlns="" xmlns:a16="http://schemas.microsoft.com/office/drawing/2014/main" val="10010"/>
+                    <a16:rowId xmlns:a16="http://schemas.microsoft.com/office/drawing/2014/main" val="10010"/>
                   </a:ext>
                 </a:extLst>
               </a:tr>
@@ -10270,7 +10148,7 @@
                 </a:tc>
                 <a:extLst>
                   <a:ext uri="{0D108BD9-81ED-4DB2-BD59-A6C34878D82A}">
-                    <a16:rowId xmlns="" xmlns:a16="http://schemas.microsoft.com/office/drawing/2014/main" val="10011"/>
+                    <a16:rowId xmlns:a16="http://schemas.microsoft.com/office/drawing/2014/main" val="10011"/>
                   </a:ext>
                 </a:extLst>
               </a:tr>
@@ -10304,14 +10182,14 @@
                 <a:gridCol w="1319212">
                   <a:extLst>
                     <a:ext uri="{9D8B030D-6E8A-4147-A177-3AD203B41FA5}">
-                      <a16:colId xmlns="" xmlns:a16="http://schemas.microsoft.com/office/drawing/2014/main" val="20000"/>
+                      <a16:colId xmlns:a16="http://schemas.microsoft.com/office/drawing/2014/main" val="20000"/>
                     </a:ext>
                   </a:extLst>
                 </a:gridCol>
                 <a:gridCol w="1317625">
                   <a:extLst>
                     <a:ext uri="{9D8B030D-6E8A-4147-A177-3AD203B41FA5}">
-                      <a16:colId xmlns="" xmlns:a16="http://schemas.microsoft.com/office/drawing/2014/main" val="20001"/>
+                      <a16:colId xmlns:a16="http://schemas.microsoft.com/office/drawing/2014/main" val="20001"/>
                     </a:ext>
                   </a:extLst>
                 </a:gridCol>
@@ -10496,7 +10374,7 @@
                 </a:tc>
                 <a:extLst>
                   <a:ext uri="{0D108BD9-81ED-4DB2-BD59-A6C34878D82A}">
-                    <a16:rowId xmlns="" xmlns:a16="http://schemas.microsoft.com/office/drawing/2014/main" val="10000"/>
+                    <a16:rowId xmlns:a16="http://schemas.microsoft.com/office/drawing/2014/main" val="10000"/>
                   </a:ext>
                 </a:extLst>
               </a:tr>
@@ -10617,7 +10495,7 @@
                         <a:tabLst/>
                       </a:pPr>
                       <a:r>
-                        <a:rPr kumimoji="0" lang="ko-KR" altLang="en-US" sz="1200" b="0" i="0" u="none" strike="noStrike" cap="none" normalizeH="0" baseline="0" dirty="0" smtClean="0">
+                        <a:rPr kumimoji="0" lang="ko-KR" altLang="en-US" sz="1200" b="0" i="0" u="none" strike="noStrike" cap="none" normalizeH="0" baseline="0" dirty="0">
                           <a:ln>
                             <a:noFill/>
                           </a:ln>
@@ -10630,17 +10508,6 @@
                         </a:rPr>
                         <a:t>김윤희</a:t>
                       </a:r>
-                      <a:endParaRPr kumimoji="0" lang="ko-KR" altLang="en-US" sz="1200" b="0" i="0" u="none" strike="noStrike" cap="none" normalizeH="0" baseline="0" dirty="0">
-                        <a:ln>
-                          <a:noFill/>
-                        </a:ln>
-                        <a:solidFill>
-                          <a:schemeClr val="tx1"/>
-                        </a:solidFill>
-                        <a:effectLst/>
-                        <a:latin typeface="맑은 고딕" pitchFamily="50" charset="-127"/>
-                        <a:ea typeface="맑은 고딕" pitchFamily="50" charset="-127"/>
-                      </a:endParaRPr>
                     </a:p>
                   </a:txBody>
                   <a:tcPr marT="45694" marB="45694" anchor="ctr" horzOverflow="overflow">
@@ -10691,7 +10558,7 @@
                 </a:tc>
                 <a:extLst>
                   <a:ext uri="{0D108BD9-81ED-4DB2-BD59-A6C34878D82A}">
-                    <a16:rowId xmlns="" xmlns:a16="http://schemas.microsoft.com/office/drawing/2014/main" val="10001"/>
+                    <a16:rowId xmlns:a16="http://schemas.microsoft.com/office/drawing/2014/main" val="10001"/>
                   </a:ext>
                 </a:extLst>
               </a:tr>
@@ -10780,14 +10647,14 @@
                 <a:gridCol w="1764767">
                   <a:extLst>
                     <a:ext uri="{9D8B030D-6E8A-4147-A177-3AD203B41FA5}">
-                      <a16:colId xmlns="" xmlns:a16="http://schemas.microsoft.com/office/drawing/2014/main" val="20000"/>
+                      <a16:colId xmlns:a16="http://schemas.microsoft.com/office/drawing/2014/main" val="20000"/>
                     </a:ext>
                   </a:extLst>
                 </a:gridCol>
                 <a:gridCol w="4499508">
                   <a:extLst>
                     <a:ext uri="{9D8B030D-6E8A-4147-A177-3AD203B41FA5}">
-                      <a16:colId xmlns="" xmlns:a16="http://schemas.microsoft.com/office/drawing/2014/main" val="20001"/>
+                      <a16:colId xmlns:a16="http://schemas.microsoft.com/office/drawing/2014/main" val="20001"/>
                     </a:ext>
                   </a:extLst>
                 </a:gridCol>
@@ -11053,7 +10920,7 @@
                 </a:tc>
                 <a:extLst>
                   <a:ext uri="{0D108BD9-81ED-4DB2-BD59-A6C34878D82A}">
-                    <a16:rowId xmlns="" xmlns:a16="http://schemas.microsoft.com/office/drawing/2014/main" val="10000"/>
+                    <a16:rowId xmlns:a16="http://schemas.microsoft.com/office/drawing/2014/main" val="10000"/>
                   </a:ext>
                 </a:extLst>
               </a:tr>
@@ -11240,7 +11107,7 @@
                 </a:tc>
                 <a:extLst>
                   <a:ext uri="{0D108BD9-81ED-4DB2-BD59-A6C34878D82A}">
-                    <a16:rowId xmlns="" xmlns:a16="http://schemas.microsoft.com/office/drawing/2014/main" val="10001"/>
+                    <a16:rowId xmlns:a16="http://schemas.microsoft.com/office/drawing/2014/main" val="10001"/>
                   </a:ext>
                 </a:extLst>
               </a:tr>
@@ -11425,7 +11292,7 @@
                 </a:tc>
                 <a:extLst>
                   <a:ext uri="{0D108BD9-81ED-4DB2-BD59-A6C34878D82A}">
-                    <a16:rowId xmlns="" xmlns:a16="http://schemas.microsoft.com/office/drawing/2014/main" val="10002"/>
+                    <a16:rowId xmlns:a16="http://schemas.microsoft.com/office/drawing/2014/main" val="10002"/>
                   </a:ext>
                 </a:extLst>
               </a:tr>
@@ -11484,35 +11351,35 @@
                 <a:gridCol w="739326">
                   <a:extLst>
                     <a:ext uri="{9D8B030D-6E8A-4147-A177-3AD203B41FA5}">
-                      <a16:colId xmlns="" xmlns:a16="http://schemas.microsoft.com/office/drawing/2014/main" val="20000"/>
+                      <a16:colId xmlns:a16="http://schemas.microsoft.com/office/drawing/2014/main" val="20000"/>
                     </a:ext>
                   </a:extLst>
                 </a:gridCol>
                 <a:gridCol w="3689290">
                   <a:extLst>
                     <a:ext uri="{9D8B030D-6E8A-4147-A177-3AD203B41FA5}">
-                      <a16:colId xmlns="" xmlns:a16="http://schemas.microsoft.com/office/drawing/2014/main" val="20001"/>
+                      <a16:colId xmlns:a16="http://schemas.microsoft.com/office/drawing/2014/main" val="20001"/>
                     </a:ext>
                   </a:extLst>
                 </a:gridCol>
                 <a:gridCol w="1258111">
                   <a:extLst>
                     <a:ext uri="{9D8B030D-6E8A-4147-A177-3AD203B41FA5}">
-                      <a16:colId xmlns="" xmlns:a16="http://schemas.microsoft.com/office/drawing/2014/main" val="20002"/>
+                      <a16:colId xmlns:a16="http://schemas.microsoft.com/office/drawing/2014/main" val="20002"/>
                     </a:ext>
                   </a:extLst>
                 </a:gridCol>
                 <a:gridCol w="1154157">
                   <a:extLst>
                     <a:ext uri="{9D8B030D-6E8A-4147-A177-3AD203B41FA5}">
-                      <a16:colId xmlns="" xmlns:a16="http://schemas.microsoft.com/office/drawing/2014/main" val="20003"/>
+                      <a16:colId xmlns:a16="http://schemas.microsoft.com/office/drawing/2014/main" val="20003"/>
                     </a:ext>
                   </a:extLst>
                 </a:gridCol>
                 <a:gridCol w="1944215">
                   <a:extLst>
                     <a:ext uri="{9D8B030D-6E8A-4147-A177-3AD203B41FA5}">
-                      <a16:colId xmlns="" xmlns:a16="http://schemas.microsoft.com/office/drawing/2014/main" val="20004"/>
+                      <a16:colId xmlns:a16="http://schemas.microsoft.com/office/drawing/2014/main" val="20004"/>
                     </a:ext>
                   </a:extLst>
                 </a:gridCol>
@@ -12083,7 +11950,7 @@
                 </a:tc>
                 <a:extLst>
                   <a:ext uri="{0D108BD9-81ED-4DB2-BD59-A6C34878D82A}">
-                    <a16:rowId xmlns="" xmlns:a16="http://schemas.microsoft.com/office/drawing/2014/main" val="10000"/>
+                    <a16:rowId xmlns:a16="http://schemas.microsoft.com/office/drawing/2014/main" val="10000"/>
                   </a:ext>
                 </a:extLst>
               </a:tr>
@@ -12567,7 +12434,7 @@
                 </a:tc>
                 <a:extLst>
                   <a:ext uri="{0D108BD9-81ED-4DB2-BD59-A6C34878D82A}">
-                    <a16:rowId xmlns="" xmlns:a16="http://schemas.microsoft.com/office/drawing/2014/main" val="10001"/>
+                    <a16:rowId xmlns:a16="http://schemas.microsoft.com/office/drawing/2014/main" val="10001"/>
                   </a:ext>
                 </a:extLst>
               </a:tr>
@@ -12934,7 +12801,7 @@
                 </a:tc>
                 <a:extLst>
                   <a:ext uri="{0D108BD9-81ED-4DB2-BD59-A6C34878D82A}">
-                    <a16:rowId xmlns="" xmlns:a16="http://schemas.microsoft.com/office/drawing/2014/main" val="10002"/>
+                    <a16:rowId xmlns:a16="http://schemas.microsoft.com/office/drawing/2014/main" val="10002"/>
                   </a:ext>
                 </a:extLst>
               </a:tr>
@@ -12987,7 +12854,7 @@
                 <a:gridCol w="2016125">
                   <a:extLst>
                     <a:ext uri="{9D8B030D-6E8A-4147-A177-3AD203B41FA5}">
-                      <a16:colId xmlns="" xmlns:a16="http://schemas.microsoft.com/office/drawing/2014/main" val="20000"/>
+                      <a16:colId xmlns:a16="http://schemas.microsoft.com/office/drawing/2014/main" val="20000"/>
                     </a:ext>
                   </a:extLst>
                 </a:gridCol>
@@ -13091,7 +12958,7 @@
                 </a:tc>
                 <a:extLst>
                   <a:ext uri="{0D108BD9-81ED-4DB2-BD59-A6C34878D82A}">
-                    <a16:rowId xmlns="" xmlns:a16="http://schemas.microsoft.com/office/drawing/2014/main" val="10000"/>
+                    <a16:rowId xmlns:a16="http://schemas.microsoft.com/office/drawing/2014/main" val="10000"/>
                   </a:ext>
                 </a:extLst>
               </a:tr>
@@ -15815,7 +15682,7 @@
           <p:cNvPr id="70" name="그림 69">
             <a:extLst>
               <a:ext uri="{FF2B5EF4-FFF2-40B4-BE49-F238E27FC236}">
-                <a16:creationId xmlns="" xmlns:a16="http://schemas.microsoft.com/office/drawing/2014/main" id="{DEEB3194-430D-4A4E-8DEF-5B08710B8A78}"/>
+                <a16:creationId xmlns:a16="http://schemas.microsoft.com/office/drawing/2014/main" id="{DEEB3194-430D-4A4E-8DEF-5B08710B8A78}"/>
               </a:ext>
             </a:extLst>
           </p:cNvPr>
@@ -15845,7 +15712,7 @@
           <p:cNvPr id="89" name="그림 88">
             <a:extLst>
               <a:ext uri="{FF2B5EF4-FFF2-40B4-BE49-F238E27FC236}">
-                <a16:creationId xmlns="" xmlns:a16="http://schemas.microsoft.com/office/drawing/2014/main" id="{DEEB3194-430D-4A4E-8DEF-5B08710B8A78}"/>
+                <a16:creationId xmlns:a16="http://schemas.microsoft.com/office/drawing/2014/main" id="{DEEB3194-430D-4A4E-8DEF-5B08710B8A78}"/>
               </a:ext>
             </a:extLst>
           </p:cNvPr>
@@ -15875,7 +15742,7 @@
           <p:cNvPr id="90" name="그림 89">
             <a:extLst>
               <a:ext uri="{FF2B5EF4-FFF2-40B4-BE49-F238E27FC236}">
-                <a16:creationId xmlns="" xmlns:a16="http://schemas.microsoft.com/office/drawing/2014/main" id="{DEEB3194-430D-4A4E-8DEF-5B08710B8A78}"/>
+                <a16:creationId xmlns:a16="http://schemas.microsoft.com/office/drawing/2014/main" id="{DEEB3194-430D-4A4E-8DEF-5B08710B8A78}"/>
               </a:ext>
             </a:extLst>
           </p:cNvPr>
@@ -15905,7 +15772,7 @@
           <p:cNvPr id="91" name="그림 90">
             <a:extLst>
               <a:ext uri="{FF2B5EF4-FFF2-40B4-BE49-F238E27FC236}">
-                <a16:creationId xmlns="" xmlns:a16="http://schemas.microsoft.com/office/drawing/2014/main" id="{DEEB3194-430D-4A4E-8DEF-5B08710B8A78}"/>
+                <a16:creationId xmlns:a16="http://schemas.microsoft.com/office/drawing/2014/main" id="{DEEB3194-430D-4A4E-8DEF-5B08710B8A78}"/>
               </a:ext>
             </a:extLst>
           </p:cNvPr>
@@ -15935,7 +15802,7 @@
           <p:cNvPr id="92" name="그림 91">
             <a:extLst>
               <a:ext uri="{FF2B5EF4-FFF2-40B4-BE49-F238E27FC236}">
-                <a16:creationId xmlns="" xmlns:a16="http://schemas.microsoft.com/office/drawing/2014/main" id="{DEEB3194-430D-4A4E-8DEF-5B08710B8A78}"/>
+                <a16:creationId xmlns:a16="http://schemas.microsoft.com/office/drawing/2014/main" id="{DEEB3194-430D-4A4E-8DEF-5B08710B8A78}"/>
               </a:ext>
             </a:extLst>
           </p:cNvPr>
@@ -15965,7 +15832,7 @@
           <p:cNvPr id="93" name="그림 92">
             <a:extLst>
               <a:ext uri="{FF2B5EF4-FFF2-40B4-BE49-F238E27FC236}">
-                <a16:creationId xmlns="" xmlns:a16="http://schemas.microsoft.com/office/drawing/2014/main" id="{DEEB3194-430D-4A4E-8DEF-5B08710B8A78}"/>
+                <a16:creationId xmlns:a16="http://schemas.microsoft.com/office/drawing/2014/main" id="{DEEB3194-430D-4A4E-8DEF-5B08710B8A78}"/>
               </a:ext>
             </a:extLst>
           </p:cNvPr>
@@ -15995,7 +15862,7 @@
           <p:cNvPr id="94" name="그림 93">
             <a:extLst>
               <a:ext uri="{FF2B5EF4-FFF2-40B4-BE49-F238E27FC236}">
-                <a16:creationId xmlns="" xmlns:a16="http://schemas.microsoft.com/office/drawing/2014/main" id="{DEEB3194-430D-4A4E-8DEF-5B08710B8A78}"/>
+                <a16:creationId xmlns:a16="http://schemas.microsoft.com/office/drawing/2014/main" id="{DEEB3194-430D-4A4E-8DEF-5B08710B8A78}"/>
               </a:ext>
             </a:extLst>
           </p:cNvPr>
@@ -16025,7 +15892,7 @@
           <p:cNvPr id="66" name="Group 1072">
             <a:extLst>
               <a:ext uri="{FF2B5EF4-FFF2-40B4-BE49-F238E27FC236}">
-                <a16:creationId xmlns="" xmlns:a16="http://schemas.microsoft.com/office/drawing/2014/main" id="{18446844-F89B-49EE-AFBC-0C0CCECC9B6D}"/>
+                <a16:creationId xmlns:a16="http://schemas.microsoft.com/office/drawing/2014/main" id="{18446844-F89B-49EE-AFBC-0C0CCECC9B6D}"/>
               </a:ext>
             </a:extLst>
           </p:cNvPr>
@@ -16052,14 +15919,14 @@
                 <a:gridCol w="858104">
                   <a:extLst>
                     <a:ext uri="{9D8B030D-6E8A-4147-A177-3AD203B41FA5}">
-                      <a16:colId xmlns="" xmlns:a16="http://schemas.microsoft.com/office/drawing/2014/main" val="20000"/>
+                      <a16:colId xmlns:a16="http://schemas.microsoft.com/office/drawing/2014/main" val="20000"/>
                     </a:ext>
                   </a:extLst>
                 </a:gridCol>
                 <a:gridCol w="5830760">
                   <a:extLst>
                     <a:ext uri="{9D8B030D-6E8A-4147-A177-3AD203B41FA5}">
-                      <a16:colId xmlns="" xmlns:a16="http://schemas.microsoft.com/office/drawing/2014/main" val="20001"/>
+                      <a16:colId xmlns:a16="http://schemas.microsoft.com/office/drawing/2014/main" val="20001"/>
                     </a:ext>
                   </a:extLst>
                 </a:gridCol>
@@ -16352,7 +16219,7 @@
                 </a:tc>
                 <a:extLst>
                   <a:ext uri="{0D108BD9-81ED-4DB2-BD59-A6C34878D82A}">
-                    <a16:rowId xmlns="" xmlns:a16="http://schemas.microsoft.com/office/drawing/2014/main" val="10000"/>
+                    <a16:rowId xmlns:a16="http://schemas.microsoft.com/office/drawing/2014/main" val="10000"/>
                   </a:ext>
                 </a:extLst>
               </a:tr>
@@ -16360,6 +16227,63 @@
           </a:graphicData>
         </a:graphic>
       </p:graphicFrame>
+      <p:sp>
+        <p:nvSpPr>
+          <p:cNvPr id="3" name="타원 2">
+            <a:extLst>
+              <a:ext uri="{FF2B5EF4-FFF2-40B4-BE49-F238E27FC236}">
+                <a16:creationId xmlns:a16="http://schemas.microsoft.com/office/drawing/2014/main" id="{46C99837-575A-4E98-8C45-847F53B4BB83}"/>
+              </a:ext>
+            </a:extLst>
+          </p:cNvPr>
+          <p:cNvSpPr/>
+          <p:nvPr/>
+        </p:nvSpPr>
+        <p:spPr>
+          <a:xfrm>
+            <a:off x="7344308" y="3832553"/>
+            <a:ext cx="1332148" cy="1332148"/>
+          </a:xfrm>
+          <a:prstGeom prst="ellipse">
+            <a:avLst/>
+          </a:prstGeom>
+          <a:solidFill>
+            <a:srgbClr val="C00000"/>
+          </a:solidFill>
+          <a:ln/>
+        </p:spPr>
+        <p:style>
+          <a:lnRef idx="2">
+            <a:schemeClr val="accent2"/>
+          </a:lnRef>
+          <a:fillRef idx="1">
+            <a:schemeClr val="lt1"/>
+          </a:fillRef>
+          <a:effectRef idx="0">
+            <a:schemeClr val="accent2"/>
+          </a:effectRef>
+          <a:fontRef idx="minor">
+            <a:schemeClr val="dk1"/>
+          </a:fontRef>
+        </p:style>
+        <p:txBody>
+          <a:bodyPr rtlCol="0" anchor="ctr"/>
+          <a:lstStyle/>
+          <a:p>
+            <a:pPr algn="ctr"/>
+            <a:r>
+              <a:rPr lang="ko-KR" altLang="en-US" sz="1800" b="1">
+                <a:solidFill>
+                  <a:schemeClr val="bg1"/>
+                </a:solidFill>
+                <a:latin typeface="나눔고딕" pitchFamily="2" charset="-127"/>
+                <a:ea typeface="나눔고딕" pitchFamily="2" charset="-127"/>
+              </a:rPr>
+              <a:t>완료</a:t>
+            </a:r>
+          </a:p>
+        </p:txBody>
+      </p:sp>
     </p:spTree>
     <p:extLst>
       <p:ext uri="{BB962C8B-B14F-4D97-AF65-F5344CB8AC3E}">
@@ -16410,7 +16334,7 @@
                 <a:gridCol w="2016125">
                   <a:extLst>
                     <a:ext uri="{9D8B030D-6E8A-4147-A177-3AD203B41FA5}">
-                      <a16:colId xmlns="" xmlns:a16="http://schemas.microsoft.com/office/drawing/2014/main" val="20000"/>
+                      <a16:colId xmlns:a16="http://schemas.microsoft.com/office/drawing/2014/main" val="20000"/>
                     </a:ext>
                   </a:extLst>
                 </a:gridCol>
@@ -16514,7 +16438,7 @@
                 </a:tc>
                 <a:extLst>
                   <a:ext uri="{0D108BD9-81ED-4DB2-BD59-A6C34878D82A}">
-                    <a16:rowId xmlns="" xmlns:a16="http://schemas.microsoft.com/office/drawing/2014/main" val="10000"/>
+                    <a16:rowId xmlns:a16="http://schemas.microsoft.com/office/drawing/2014/main" val="10000"/>
                   </a:ext>
                 </a:extLst>
               </a:tr>
@@ -18957,7 +18881,7 @@
           <p:cNvPr id="70" name="그림 69">
             <a:extLst>
               <a:ext uri="{FF2B5EF4-FFF2-40B4-BE49-F238E27FC236}">
-                <a16:creationId xmlns="" xmlns:a16="http://schemas.microsoft.com/office/drawing/2014/main" id="{DEEB3194-430D-4A4E-8DEF-5B08710B8A78}"/>
+                <a16:creationId xmlns:a16="http://schemas.microsoft.com/office/drawing/2014/main" id="{DEEB3194-430D-4A4E-8DEF-5B08710B8A78}"/>
               </a:ext>
             </a:extLst>
           </p:cNvPr>
@@ -18987,7 +18911,7 @@
           <p:cNvPr id="89" name="그림 88">
             <a:extLst>
               <a:ext uri="{FF2B5EF4-FFF2-40B4-BE49-F238E27FC236}">
-                <a16:creationId xmlns="" xmlns:a16="http://schemas.microsoft.com/office/drawing/2014/main" id="{DEEB3194-430D-4A4E-8DEF-5B08710B8A78}"/>
+                <a16:creationId xmlns:a16="http://schemas.microsoft.com/office/drawing/2014/main" id="{DEEB3194-430D-4A4E-8DEF-5B08710B8A78}"/>
               </a:ext>
             </a:extLst>
           </p:cNvPr>
@@ -19017,7 +18941,7 @@
           <p:cNvPr id="90" name="그림 89">
             <a:extLst>
               <a:ext uri="{FF2B5EF4-FFF2-40B4-BE49-F238E27FC236}">
-                <a16:creationId xmlns="" xmlns:a16="http://schemas.microsoft.com/office/drawing/2014/main" id="{DEEB3194-430D-4A4E-8DEF-5B08710B8A78}"/>
+                <a16:creationId xmlns:a16="http://schemas.microsoft.com/office/drawing/2014/main" id="{DEEB3194-430D-4A4E-8DEF-5B08710B8A78}"/>
               </a:ext>
             </a:extLst>
           </p:cNvPr>
@@ -19047,7 +18971,7 @@
           <p:cNvPr id="91" name="그림 90">
             <a:extLst>
               <a:ext uri="{FF2B5EF4-FFF2-40B4-BE49-F238E27FC236}">
-                <a16:creationId xmlns="" xmlns:a16="http://schemas.microsoft.com/office/drawing/2014/main" id="{DEEB3194-430D-4A4E-8DEF-5B08710B8A78}"/>
+                <a16:creationId xmlns:a16="http://schemas.microsoft.com/office/drawing/2014/main" id="{DEEB3194-430D-4A4E-8DEF-5B08710B8A78}"/>
               </a:ext>
             </a:extLst>
           </p:cNvPr>
@@ -19077,7 +19001,7 @@
           <p:cNvPr id="92" name="그림 91">
             <a:extLst>
               <a:ext uri="{FF2B5EF4-FFF2-40B4-BE49-F238E27FC236}">
-                <a16:creationId xmlns="" xmlns:a16="http://schemas.microsoft.com/office/drawing/2014/main" id="{DEEB3194-430D-4A4E-8DEF-5B08710B8A78}"/>
+                <a16:creationId xmlns:a16="http://schemas.microsoft.com/office/drawing/2014/main" id="{DEEB3194-430D-4A4E-8DEF-5B08710B8A78}"/>
               </a:ext>
             </a:extLst>
           </p:cNvPr>
@@ -19107,7 +19031,7 @@
           <p:cNvPr id="93" name="그림 92">
             <a:extLst>
               <a:ext uri="{FF2B5EF4-FFF2-40B4-BE49-F238E27FC236}">
-                <a16:creationId xmlns="" xmlns:a16="http://schemas.microsoft.com/office/drawing/2014/main" id="{DEEB3194-430D-4A4E-8DEF-5B08710B8A78}"/>
+                <a16:creationId xmlns:a16="http://schemas.microsoft.com/office/drawing/2014/main" id="{DEEB3194-430D-4A4E-8DEF-5B08710B8A78}"/>
               </a:ext>
             </a:extLst>
           </p:cNvPr>
@@ -19137,7 +19061,7 @@
           <p:cNvPr id="94" name="그림 93">
             <a:extLst>
               <a:ext uri="{FF2B5EF4-FFF2-40B4-BE49-F238E27FC236}">
-                <a16:creationId xmlns="" xmlns:a16="http://schemas.microsoft.com/office/drawing/2014/main" id="{DEEB3194-430D-4A4E-8DEF-5B08710B8A78}"/>
+                <a16:creationId xmlns:a16="http://schemas.microsoft.com/office/drawing/2014/main" id="{DEEB3194-430D-4A4E-8DEF-5B08710B8A78}"/>
               </a:ext>
             </a:extLst>
           </p:cNvPr>
@@ -19785,7 +19709,7 @@
           <p:cNvPr id="68" name="직각 삼각형 67">
             <a:extLst>
               <a:ext uri="{FF2B5EF4-FFF2-40B4-BE49-F238E27FC236}">
-                <a16:creationId xmlns="" xmlns:a16="http://schemas.microsoft.com/office/drawing/2014/main" id="{AD12DF8C-5D1A-440D-83BF-2484E084F488}"/>
+                <a16:creationId xmlns:a16="http://schemas.microsoft.com/office/drawing/2014/main" id="{AD12DF8C-5D1A-440D-83BF-2484E084F488}"/>
               </a:ext>
             </a:extLst>
           </p:cNvPr>
@@ -19926,6 +19850,63 @@
           </a:p>
         </p:txBody>
       </p:sp>
+      <p:sp>
+        <p:nvSpPr>
+          <p:cNvPr id="99" name="타원 98">
+            <a:extLst>
+              <a:ext uri="{FF2B5EF4-FFF2-40B4-BE49-F238E27FC236}">
+                <a16:creationId xmlns:a16="http://schemas.microsoft.com/office/drawing/2014/main" id="{706CE353-1CBF-49B8-95EA-0268A74CF954}"/>
+              </a:ext>
+            </a:extLst>
+          </p:cNvPr>
+          <p:cNvSpPr/>
+          <p:nvPr/>
+        </p:nvSpPr>
+        <p:spPr>
+          <a:xfrm>
+            <a:off x="7344308" y="3832553"/>
+            <a:ext cx="1332148" cy="1332148"/>
+          </a:xfrm>
+          <a:prstGeom prst="ellipse">
+            <a:avLst/>
+          </a:prstGeom>
+          <a:solidFill>
+            <a:srgbClr val="C00000"/>
+          </a:solidFill>
+          <a:ln/>
+        </p:spPr>
+        <p:style>
+          <a:lnRef idx="2">
+            <a:schemeClr val="accent2"/>
+          </a:lnRef>
+          <a:fillRef idx="1">
+            <a:schemeClr val="lt1"/>
+          </a:fillRef>
+          <a:effectRef idx="0">
+            <a:schemeClr val="accent2"/>
+          </a:effectRef>
+          <a:fontRef idx="minor">
+            <a:schemeClr val="dk1"/>
+          </a:fontRef>
+        </p:style>
+        <p:txBody>
+          <a:bodyPr rtlCol="0" anchor="ctr"/>
+          <a:lstStyle/>
+          <a:p>
+            <a:pPr algn="ctr"/>
+            <a:r>
+              <a:rPr lang="ko-KR" altLang="en-US" sz="1800" b="1">
+                <a:solidFill>
+                  <a:schemeClr val="bg1"/>
+                </a:solidFill>
+                <a:latin typeface="나눔고딕" pitchFamily="2" charset="-127"/>
+                <a:ea typeface="나눔고딕" pitchFamily="2" charset="-127"/>
+              </a:rPr>
+              <a:t>완료</a:t>
+            </a:r>
+          </a:p>
+        </p:txBody>
+      </p:sp>
     </p:spTree>
     <p:extLst>
       <p:ext uri="{BB962C8B-B14F-4D97-AF65-F5344CB8AC3E}">
@@ -19976,7 +19957,7 @@
                 <a:gridCol w="2016125">
                   <a:extLst>
                     <a:ext uri="{9D8B030D-6E8A-4147-A177-3AD203B41FA5}">
-                      <a16:colId xmlns="" xmlns:a16="http://schemas.microsoft.com/office/drawing/2014/main" val="20000"/>
+                      <a16:colId xmlns:a16="http://schemas.microsoft.com/office/drawing/2014/main" val="20000"/>
                     </a:ext>
                   </a:extLst>
                 </a:gridCol>
@@ -20080,7 +20061,7 @@
                 </a:tc>
                 <a:extLst>
                   <a:ext uri="{0D108BD9-81ED-4DB2-BD59-A6C34878D82A}">
-                    <a16:rowId xmlns="" xmlns:a16="http://schemas.microsoft.com/office/drawing/2014/main" val="10000"/>
+                    <a16:rowId xmlns:a16="http://schemas.microsoft.com/office/drawing/2014/main" val="10000"/>
                   </a:ext>
                 </a:extLst>
               </a:tr>
@@ -20791,14 +20772,7 @@
                 <a:latin typeface="맑은 고딕" panose="020B0503020000020004" pitchFamily="50" charset="-127"/>
                 <a:ea typeface="맑은 고딕" panose="020B0503020000020004" pitchFamily="50" charset="-127"/>
               </a:rPr>
-              <a:t>4</a:t>
-            </a:r>
-            <a:r>
-              <a:rPr lang="en-US" altLang="ko-KR" sz="2000" dirty="0" smtClean="0">
-                <a:latin typeface="맑은 고딕" panose="020B0503020000020004" pitchFamily="50" charset="-127"/>
-                <a:ea typeface="맑은 고딕" panose="020B0503020000020004" pitchFamily="50" charset="-127"/>
-              </a:rPr>
-              <a:t>, 5, 6</a:t>
+              <a:t>4, 5, 6</a:t>
             </a:r>
             <a:r>
               <a:rPr lang="ko-KR" altLang="en-US" sz="2000" dirty="0">
@@ -21840,7 +21814,7 @@
           <p:cNvPr id="36" name="그림 35">
             <a:extLst>
               <a:ext uri="{FF2B5EF4-FFF2-40B4-BE49-F238E27FC236}">
-                <a16:creationId xmlns="" xmlns:a16="http://schemas.microsoft.com/office/drawing/2014/main" id="{DEEB3194-430D-4A4E-8DEF-5B08710B8A78}"/>
+                <a16:creationId xmlns:a16="http://schemas.microsoft.com/office/drawing/2014/main" id="{DEEB3194-430D-4A4E-8DEF-5B08710B8A78}"/>
               </a:ext>
             </a:extLst>
           </p:cNvPr>
@@ -22008,7 +21982,7 @@
           <p:cNvPr id="35" name="그림 34">
             <a:extLst>
               <a:ext uri="{FF2B5EF4-FFF2-40B4-BE49-F238E27FC236}">
-                <a16:creationId xmlns="" xmlns:a16="http://schemas.microsoft.com/office/drawing/2014/main" id="{DEEB3194-430D-4A4E-8DEF-5B08710B8A78}"/>
+                <a16:creationId xmlns:a16="http://schemas.microsoft.com/office/drawing/2014/main" id="{DEEB3194-430D-4A4E-8DEF-5B08710B8A78}"/>
               </a:ext>
             </a:extLst>
           </p:cNvPr>
@@ -22118,7 +22092,7 @@
           <p:cNvPr id="37" name="그림 36">
             <a:extLst>
               <a:ext uri="{FF2B5EF4-FFF2-40B4-BE49-F238E27FC236}">
-                <a16:creationId xmlns="" xmlns:a16="http://schemas.microsoft.com/office/drawing/2014/main" id="{DEEB3194-430D-4A4E-8DEF-5B08710B8A78}"/>
+                <a16:creationId xmlns:a16="http://schemas.microsoft.com/office/drawing/2014/main" id="{DEEB3194-430D-4A4E-8DEF-5B08710B8A78}"/>
               </a:ext>
             </a:extLst>
           </p:cNvPr>
@@ -27809,7 +27783,7 @@
           <p:cNvPr id="207" name="Group 1072">
             <a:extLst>
               <a:ext uri="{FF2B5EF4-FFF2-40B4-BE49-F238E27FC236}">
-                <a16:creationId xmlns="" xmlns:a16="http://schemas.microsoft.com/office/drawing/2014/main" id="{65E448DA-AD0D-4C6C-B9D5-0BD392AD0F40}"/>
+                <a16:creationId xmlns:a16="http://schemas.microsoft.com/office/drawing/2014/main" id="{65E448DA-AD0D-4C6C-B9D5-0BD392AD0F40}"/>
               </a:ext>
             </a:extLst>
           </p:cNvPr>
@@ -27836,14 +27810,14 @@
                 <a:gridCol w="858104">
                   <a:extLst>
                     <a:ext uri="{9D8B030D-6E8A-4147-A177-3AD203B41FA5}">
-                      <a16:colId xmlns="" xmlns:a16="http://schemas.microsoft.com/office/drawing/2014/main" val="20000"/>
+                      <a16:colId xmlns:a16="http://schemas.microsoft.com/office/drawing/2014/main" val="20000"/>
                     </a:ext>
                   </a:extLst>
                 </a:gridCol>
                 <a:gridCol w="5830760">
                   <a:extLst>
                     <a:ext uri="{9D8B030D-6E8A-4147-A177-3AD203B41FA5}">
-                      <a16:colId xmlns="" xmlns:a16="http://schemas.microsoft.com/office/drawing/2014/main" val="20001"/>
+                      <a16:colId xmlns:a16="http://schemas.microsoft.com/office/drawing/2014/main" val="20001"/>
                     </a:ext>
                   </a:extLst>
                 </a:gridCol>
@@ -27974,7 +27948,7 @@
                         <a:defRPr/>
                       </a:pPr>
                       <a:r>
-                        <a:rPr kumimoji="0" lang="en-US" altLang="ko-KR" sz="1000" smtClean="0">
+                        <a:rPr kumimoji="0" lang="en-US" altLang="ko-KR" sz="1000">
                           <a:solidFill>
                             <a:schemeClr val="tx1"/>
                           </a:solidFill>
@@ -27984,7 +27958,7 @@
                         <a:t>img_01.png</a:t>
                       </a:r>
                       <a:r>
-                        <a:rPr kumimoji="0" lang="en-US" altLang="ko-KR" sz="1000" smtClean="0">
+                        <a:rPr kumimoji="0" lang="en-US" altLang="ko-KR" sz="1000">
                           <a:solidFill>
                             <a:srgbClr val="FF0000"/>
                           </a:solidFill>
@@ -27994,7 +27968,7 @@
                         <a:t>(</a:t>
                       </a:r>
                       <a:r>
-                        <a:rPr kumimoji="0" lang="ko-KR" altLang="en-US" sz="1000" smtClean="0">
+                        <a:rPr kumimoji="0" lang="ko-KR" altLang="en-US" sz="1000">
                           <a:solidFill>
                             <a:srgbClr val="FF0000"/>
                           </a:solidFill>
@@ -28004,7 +27978,7 @@
                         <a:t>텍스트 새로 써 주세요</a:t>
                       </a:r>
                       <a:r>
-                        <a:rPr kumimoji="0" lang="en-US" altLang="ko-KR" sz="1000" smtClean="0">
+                        <a:rPr kumimoji="0" lang="en-US" altLang="ko-KR" sz="1000">
                           <a:solidFill>
                             <a:srgbClr val="FF0000"/>
                           </a:solidFill>
@@ -28014,7 +27988,7 @@
                         <a:t>.)</a:t>
                       </a:r>
                       <a:r>
-                        <a:rPr kumimoji="0" lang="en-US" altLang="ko-KR" sz="1000" smtClean="0">
+                        <a:rPr kumimoji="0" lang="en-US" altLang="ko-KR" sz="1000">
                           <a:solidFill>
                             <a:schemeClr val="tx1"/>
                           </a:solidFill>
@@ -28206,7 +28180,7 @@
                 </a:tc>
                 <a:extLst>
                   <a:ext uri="{0D108BD9-81ED-4DB2-BD59-A6C34878D82A}">
-                    <a16:rowId xmlns="" xmlns:a16="http://schemas.microsoft.com/office/drawing/2014/main" val="10000"/>
+                    <a16:rowId xmlns:a16="http://schemas.microsoft.com/office/drawing/2014/main" val="10000"/>
                   </a:ext>
                 </a:extLst>
               </a:tr>
@@ -28214,6 +28188,63 @@
           </a:graphicData>
         </a:graphic>
       </p:graphicFrame>
+      <p:sp>
+        <p:nvSpPr>
+          <p:cNvPr id="208" name="타원 207">
+            <a:extLst>
+              <a:ext uri="{FF2B5EF4-FFF2-40B4-BE49-F238E27FC236}">
+                <a16:creationId xmlns:a16="http://schemas.microsoft.com/office/drawing/2014/main" id="{1CDC0074-0846-4344-893E-A64FBF63195A}"/>
+              </a:ext>
+            </a:extLst>
+          </p:cNvPr>
+          <p:cNvSpPr/>
+          <p:nvPr/>
+        </p:nvSpPr>
+        <p:spPr>
+          <a:xfrm>
+            <a:off x="7344308" y="3832553"/>
+            <a:ext cx="1332148" cy="1332148"/>
+          </a:xfrm>
+          <a:prstGeom prst="ellipse">
+            <a:avLst/>
+          </a:prstGeom>
+          <a:solidFill>
+            <a:srgbClr val="C00000"/>
+          </a:solidFill>
+          <a:ln/>
+        </p:spPr>
+        <p:style>
+          <a:lnRef idx="2">
+            <a:schemeClr val="accent2"/>
+          </a:lnRef>
+          <a:fillRef idx="1">
+            <a:schemeClr val="lt1"/>
+          </a:fillRef>
+          <a:effectRef idx="0">
+            <a:schemeClr val="accent2"/>
+          </a:effectRef>
+          <a:fontRef idx="minor">
+            <a:schemeClr val="dk1"/>
+          </a:fontRef>
+        </p:style>
+        <p:txBody>
+          <a:bodyPr rtlCol="0" anchor="ctr"/>
+          <a:lstStyle/>
+          <a:p>
+            <a:pPr algn="ctr"/>
+            <a:r>
+              <a:rPr lang="ko-KR" altLang="en-US" sz="1800" b="1">
+                <a:solidFill>
+                  <a:schemeClr val="bg1"/>
+                </a:solidFill>
+                <a:latin typeface="나눔고딕" pitchFamily="2" charset="-127"/>
+                <a:ea typeface="나눔고딕" pitchFamily="2" charset="-127"/>
+              </a:rPr>
+              <a:t>완료</a:t>
+            </a:r>
+          </a:p>
+        </p:txBody>
+      </p:sp>
     </p:spTree>
     <p:extLst>
       <p:ext uri="{BB962C8B-B14F-4D97-AF65-F5344CB8AC3E}">
@@ -28264,7 +28295,7 @@
                 <a:gridCol w="2016125">
                   <a:extLst>
                     <a:ext uri="{9D8B030D-6E8A-4147-A177-3AD203B41FA5}">
-                      <a16:colId xmlns="" xmlns:a16="http://schemas.microsoft.com/office/drawing/2014/main" val="20000"/>
+                      <a16:colId xmlns:a16="http://schemas.microsoft.com/office/drawing/2014/main" val="20000"/>
                     </a:ext>
                   </a:extLst>
                 </a:gridCol>
@@ -28368,7 +28399,7 @@
                 </a:tc>
                 <a:extLst>
                   <a:ext uri="{0D108BD9-81ED-4DB2-BD59-A6C34878D82A}">
-                    <a16:rowId xmlns="" xmlns:a16="http://schemas.microsoft.com/office/drawing/2014/main" val="10000"/>
+                    <a16:rowId xmlns:a16="http://schemas.microsoft.com/office/drawing/2014/main" val="10000"/>
                   </a:ext>
                 </a:extLst>
               </a:tr>
@@ -28888,14 +28919,7 @@
                 <a:latin typeface="맑은 고딕" panose="020B0503020000020004" pitchFamily="50" charset="-127"/>
                 <a:ea typeface="맑은 고딕" panose="020B0503020000020004" pitchFamily="50" charset="-127"/>
               </a:rPr>
-              <a:t>4</a:t>
-            </a:r>
-            <a:r>
-              <a:rPr lang="en-US" altLang="ko-KR" sz="2000" dirty="0" smtClean="0">
-                <a:latin typeface="맑은 고딕" panose="020B0503020000020004" pitchFamily="50" charset="-127"/>
-                <a:ea typeface="맑은 고딕" panose="020B0503020000020004" pitchFamily="50" charset="-127"/>
-              </a:rPr>
-              <a:t>, 5, 6</a:t>
+              <a:t>4, 5, 6</a:t>
             </a:r>
             <a:r>
               <a:rPr lang="ko-KR" altLang="en-US" sz="2000" dirty="0">
@@ -29782,7 +29806,7 @@
           <p:cNvPr id="36" name="그림 35">
             <a:extLst>
               <a:ext uri="{FF2B5EF4-FFF2-40B4-BE49-F238E27FC236}">
-                <a16:creationId xmlns="" xmlns:a16="http://schemas.microsoft.com/office/drawing/2014/main" id="{DEEB3194-430D-4A4E-8DEF-5B08710B8A78}"/>
+                <a16:creationId xmlns:a16="http://schemas.microsoft.com/office/drawing/2014/main" id="{DEEB3194-430D-4A4E-8DEF-5B08710B8A78}"/>
               </a:ext>
             </a:extLst>
           </p:cNvPr>
@@ -29950,7 +29974,7 @@
           <p:cNvPr id="35" name="그림 34">
             <a:extLst>
               <a:ext uri="{FF2B5EF4-FFF2-40B4-BE49-F238E27FC236}">
-                <a16:creationId xmlns="" xmlns:a16="http://schemas.microsoft.com/office/drawing/2014/main" id="{DEEB3194-430D-4A4E-8DEF-5B08710B8A78}"/>
+                <a16:creationId xmlns:a16="http://schemas.microsoft.com/office/drawing/2014/main" id="{DEEB3194-430D-4A4E-8DEF-5B08710B8A78}"/>
               </a:ext>
             </a:extLst>
           </p:cNvPr>
@@ -30060,7 +30084,7 @@
           <p:cNvPr id="37" name="그림 36">
             <a:extLst>
               <a:ext uri="{FF2B5EF4-FFF2-40B4-BE49-F238E27FC236}">
-                <a16:creationId xmlns="" xmlns:a16="http://schemas.microsoft.com/office/drawing/2014/main" id="{DEEB3194-430D-4A4E-8DEF-5B08710B8A78}"/>
+                <a16:creationId xmlns:a16="http://schemas.microsoft.com/office/drawing/2014/main" id="{DEEB3194-430D-4A4E-8DEF-5B08710B8A78}"/>
               </a:ext>
             </a:extLst>
           </p:cNvPr>
@@ -35950,7 +35974,7 @@
           <p:cNvPr id="212" name="직각 삼각형 211">
             <a:extLst>
               <a:ext uri="{FF2B5EF4-FFF2-40B4-BE49-F238E27FC236}">
-                <a16:creationId xmlns="" xmlns:a16="http://schemas.microsoft.com/office/drawing/2014/main" id="{ED5BCEC1-52A0-4963-B0CC-BE2FAC496400}"/>
+                <a16:creationId xmlns:a16="http://schemas.microsoft.com/office/drawing/2014/main" id="{ED5BCEC1-52A0-4963-B0CC-BE2FAC496400}"/>
               </a:ext>
             </a:extLst>
           </p:cNvPr>
@@ -36091,6 +36115,63 @@
           </a:p>
         </p:txBody>
       </p:sp>
+      <p:sp>
+        <p:nvSpPr>
+          <p:cNvPr id="221" name="타원 220">
+            <a:extLst>
+              <a:ext uri="{FF2B5EF4-FFF2-40B4-BE49-F238E27FC236}">
+                <a16:creationId xmlns:a16="http://schemas.microsoft.com/office/drawing/2014/main" id="{937A66BE-282F-49F6-9B64-4B602BE913CD}"/>
+              </a:ext>
+            </a:extLst>
+          </p:cNvPr>
+          <p:cNvSpPr/>
+          <p:nvPr/>
+        </p:nvSpPr>
+        <p:spPr>
+          <a:xfrm>
+            <a:off x="7344308" y="3832553"/>
+            <a:ext cx="1332148" cy="1332148"/>
+          </a:xfrm>
+          <a:prstGeom prst="ellipse">
+            <a:avLst/>
+          </a:prstGeom>
+          <a:solidFill>
+            <a:srgbClr val="C00000"/>
+          </a:solidFill>
+          <a:ln/>
+        </p:spPr>
+        <p:style>
+          <a:lnRef idx="2">
+            <a:schemeClr val="accent2"/>
+          </a:lnRef>
+          <a:fillRef idx="1">
+            <a:schemeClr val="lt1"/>
+          </a:fillRef>
+          <a:effectRef idx="0">
+            <a:schemeClr val="accent2"/>
+          </a:effectRef>
+          <a:fontRef idx="minor">
+            <a:schemeClr val="dk1"/>
+          </a:fontRef>
+        </p:style>
+        <p:txBody>
+          <a:bodyPr rtlCol="0" anchor="ctr"/>
+          <a:lstStyle/>
+          <a:p>
+            <a:pPr algn="ctr"/>
+            <a:r>
+              <a:rPr lang="ko-KR" altLang="en-US" sz="1800" b="1">
+                <a:solidFill>
+                  <a:schemeClr val="bg1"/>
+                </a:solidFill>
+                <a:latin typeface="나눔고딕" pitchFamily="2" charset="-127"/>
+                <a:ea typeface="나눔고딕" pitchFamily="2" charset="-127"/>
+              </a:rPr>
+              <a:t>완료</a:t>
+            </a:r>
+          </a:p>
+        </p:txBody>
+      </p:sp>
     </p:spTree>
     <p:extLst>
       <p:ext uri="{BB962C8B-B14F-4D97-AF65-F5344CB8AC3E}">
@@ -36141,7 +36222,7 @@
                 <a:gridCol w="2016125">
                   <a:extLst>
                     <a:ext uri="{9D8B030D-6E8A-4147-A177-3AD203B41FA5}">
-                      <a16:colId xmlns="" xmlns:a16="http://schemas.microsoft.com/office/drawing/2014/main" val="20000"/>
+                      <a16:colId xmlns:a16="http://schemas.microsoft.com/office/drawing/2014/main" val="20000"/>
                     </a:ext>
                   </a:extLst>
                 </a:gridCol>
@@ -36245,7 +36326,7 @@
                 </a:tc>
                 <a:extLst>
                   <a:ext uri="{0D108BD9-81ED-4DB2-BD59-A6C34878D82A}">
-                    <a16:rowId xmlns="" xmlns:a16="http://schemas.microsoft.com/office/drawing/2014/main" val="10000"/>
+                    <a16:rowId xmlns:a16="http://schemas.microsoft.com/office/drawing/2014/main" val="10000"/>
                   </a:ext>
                 </a:extLst>
               </a:tr>
@@ -37787,7 +37868,7 @@
           <p:cNvPr id="4" name="표 3">
             <a:extLst>
               <a:ext uri="{FF2B5EF4-FFF2-40B4-BE49-F238E27FC236}">
-                <a16:creationId xmlns="" xmlns:a16="http://schemas.microsoft.com/office/drawing/2014/main" id="{48E0EC49-7F26-4D78-B91A-0F39ADBAADB4}"/>
+                <a16:creationId xmlns:a16="http://schemas.microsoft.com/office/drawing/2014/main" id="{48E0EC49-7F26-4D78-B91A-0F39ADBAADB4}"/>
               </a:ext>
             </a:extLst>
           </p:cNvPr>
@@ -37816,70 +37897,70 @@
                 <a:gridCol w="614448">
                   <a:extLst>
                     <a:ext uri="{9D8B030D-6E8A-4147-A177-3AD203B41FA5}">
-                      <a16:colId xmlns="" xmlns:a16="http://schemas.microsoft.com/office/drawing/2014/main" val="2495430714"/>
+                      <a16:colId xmlns:a16="http://schemas.microsoft.com/office/drawing/2014/main" val="2495430714"/>
                     </a:ext>
                   </a:extLst>
                 </a:gridCol>
                 <a:gridCol w="614448">
                   <a:extLst>
                     <a:ext uri="{9D8B030D-6E8A-4147-A177-3AD203B41FA5}">
-                      <a16:colId xmlns="" xmlns:a16="http://schemas.microsoft.com/office/drawing/2014/main" val="1885060771"/>
+                      <a16:colId xmlns:a16="http://schemas.microsoft.com/office/drawing/2014/main" val="1885060771"/>
                     </a:ext>
                   </a:extLst>
                 </a:gridCol>
                 <a:gridCol w="614448">
                   <a:extLst>
                     <a:ext uri="{9D8B030D-6E8A-4147-A177-3AD203B41FA5}">
-                      <a16:colId xmlns="" xmlns:a16="http://schemas.microsoft.com/office/drawing/2014/main" val="423781597"/>
+                      <a16:colId xmlns:a16="http://schemas.microsoft.com/office/drawing/2014/main" val="423781597"/>
                     </a:ext>
                   </a:extLst>
                 </a:gridCol>
                 <a:gridCol w="614448">
                   <a:extLst>
                     <a:ext uri="{9D8B030D-6E8A-4147-A177-3AD203B41FA5}">
-                      <a16:colId xmlns="" xmlns:a16="http://schemas.microsoft.com/office/drawing/2014/main" val="3879593311"/>
+                      <a16:colId xmlns:a16="http://schemas.microsoft.com/office/drawing/2014/main" val="3879593311"/>
                     </a:ext>
                   </a:extLst>
                 </a:gridCol>
                 <a:gridCol w="614448">
                   <a:extLst>
                     <a:ext uri="{9D8B030D-6E8A-4147-A177-3AD203B41FA5}">
-                      <a16:colId xmlns="" xmlns:a16="http://schemas.microsoft.com/office/drawing/2014/main" val="3393398146"/>
+                      <a16:colId xmlns:a16="http://schemas.microsoft.com/office/drawing/2014/main" val="3393398146"/>
                     </a:ext>
                   </a:extLst>
                 </a:gridCol>
                 <a:gridCol w="614448">
                   <a:extLst>
                     <a:ext uri="{9D8B030D-6E8A-4147-A177-3AD203B41FA5}">
-                      <a16:colId xmlns="" xmlns:a16="http://schemas.microsoft.com/office/drawing/2014/main" val="45877432"/>
+                      <a16:colId xmlns:a16="http://schemas.microsoft.com/office/drawing/2014/main" val="45877432"/>
                     </a:ext>
                   </a:extLst>
                 </a:gridCol>
                 <a:gridCol w="614448">
                   <a:extLst>
                     <a:ext uri="{9D8B030D-6E8A-4147-A177-3AD203B41FA5}">
-                      <a16:colId xmlns="" xmlns:a16="http://schemas.microsoft.com/office/drawing/2014/main" val="2968552697"/>
+                      <a16:colId xmlns:a16="http://schemas.microsoft.com/office/drawing/2014/main" val="2968552697"/>
                     </a:ext>
                   </a:extLst>
                 </a:gridCol>
                 <a:gridCol w="614448">
                   <a:extLst>
                     <a:ext uri="{9D8B030D-6E8A-4147-A177-3AD203B41FA5}">
-                      <a16:colId xmlns="" xmlns:a16="http://schemas.microsoft.com/office/drawing/2014/main" val="4016550855"/>
+                      <a16:colId xmlns:a16="http://schemas.microsoft.com/office/drawing/2014/main" val="4016550855"/>
                     </a:ext>
                   </a:extLst>
                 </a:gridCol>
                 <a:gridCol w="614448">
                   <a:extLst>
                     <a:ext uri="{9D8B030D-6E8A-4147-A177-3AD203B41FA5}">
-                      <a16:colId xmlns="" xmlns:a16="http://schemas.microsoft.com/office/drawing/2014/main" val="2287133342"/>
+                      <a16:colId xmlns:a16="http://schemas.microsoft.com/office/drawing/2014/main" val="2287133342"/>
                     </a:ext>
                   </a:extLst>
                 </a:gridCol>
                 <a:gridCol w="614448">
                   <a:extLst>
                     <a:ext uri="{9D8B030D-6E8A-4147-A177-3AD203B41FA5}">
-                      <a16:colId xmlns="" xmlns:a16="http://schemas.microsoft.com/office/drawing/2014/main" val="690549334"/>
+                      <a16:colId xmlns:a16="http://schemas.microsoft.com/office/drawing/2014/main" val="690549334"/>
                     </a:ext>
                   </a:extLst>
                 </a:gridCol>
@@ -38637,7 +38718,7 @@
                 </a:tc>
                 <a:extLst>
                   <a:ext uri="{0D108BD9-81ED-4DB2-BD59-A6C34878D82A}">
-                    <a16:rowId xmlns="" xmlns:a16="http://schemas.microsoft.com/office/drawing/2014/main" val="3039893656"/>
+                    <a16:rowId xmlns:a16="http://schemas.microsoft.com/office/drawing/2014/main" val="3039893656"/>
                   </a:ext>
                 </a:extLst>
               </a:tr>
@@ -39396,7 +39477,7 @@
                 </a:tc>
                 <a:extLst>
                   <a:ext uri="{0D108BD9-81ED-4DB2-BD59-A6C34878D82A}">
-                    <a16:rowId xmlns="" xmlns:a16="http://schemas.microsoft.com/office/drawing/2014/main" val="866216340"/>
+                    <a16:rowId xmlns:a16="http://schemas.microsoft.com/office/drawing/2014/main" val="866216340"/>
                   </a:ext>
                 </a:extLst>
               </a:tr>
@@ -40159,7 +40240,7 @@
                 </a:tc>
                 <a:extLst>
                   <a:ext uri="{0D108BD9-81ED-4DB2-BD59-A6C34878D82A}">
-                    <a16:rowId xmlns="" xmlns:a16="http://schemas.microsoft.com/office/drawing/2014/main" val="3655823360"/>
+                    <a16:rowId xmlns:a16="http://schemas.microsoft.com/office/drawing/2014/main" val="3655823360"/>
                   </a:ext>
                 </a:extLst>
               </a:tr>
@@ -40172,7 +40253,7 @@
           <p:cNvPr id="133" name="그림 132">
             <a:extLst>
               <a:ext uri="{FF2B5EF4-FFF2-40B4-BE49-F238E27FC236}">
-                <a16:creationId xmlns="" xmlns:a16="http://schemas.microsoft.com/office/drawing/2014/main" id="{EE8A06D8-6465-4F28-94D5-86E956DE022E}"/>
+                <a16:creationId xmlns:a16="http://schemas.microsoft.com/office/drawing/2014/main" id="{EE8A06D8-6465-4F28-94D5-86E956DE022E}"/>
               </a:ext>
             </a:extLst>
           </p:cNvPr>
@@ -40202,7 +40283,7 @@
           <p:cNvPr id="134" name="그림 133">
             <a:extLst>
               <a:ext uri="{FF2B5EF4-FFF2-40B4-BE49-F238E27FC236}">
-                <a16:creationId xmlns="" xmlns:a16="http://schemas.microsoft.com/office/drawing/2014/main" id="{2AC676A1-E0C6-42C3-998A-2DE9D05E7E57}"/>
+                <a16:creationId xmlns:a16="http://schemas.microsoft.com/office/drawing/2014/main" id="{2AC676A1-E0C6-42C3-998A-2DE9D05E7E57}"/>
               </a:ext>
             </a:extLst>
           </p:cNvPr>
@@ -40232,7 +40313,7 @@
           <p:cNvPr id="135" name="그림 134">
             <a:extLst>
               <a:ext uri="{FF2B5EF4-FFF2-40B4-BE49-F238E27FC236}">
-                <a16:creationId xmlns="" xmlns:a16="http://schemas.microsoft.com/office/drawing/2014/main" id="{BAD7FDB6-C9BF-4523-8F1D-6F7143C387C5}"/>
+                <a16:creationId xmlns:a16="http://schemas.microsoft.com/office/drawing/2014/main" id="{BAD7FDB6-C9BF-4523-8F1D-6F7143C387C5}"/>
               </a:ext>
             </a:extLst>
           </p:cNvPr>
@@ -40262,7 +40343,7 @@
           <p:cNvPr id="136" name="그림 135">
             <a:extLst>
               <a:ext uri="{FF2B5EF4-FFF2-40B4-BE49-F238E27FC236}">
-                <a16:creationId xmlns="" xmlns:a16="http://schemas.microsoft.com/office/drawing/2014/main" id="{6C458901-C380-402B-8ECF-57C409C1D78E}"/>
+                <a16:creationId xmlns:a16="http://schemas.microsoft.com/office/drawing/2014/main" id="{6C458901-C380-402B-8ECF-57C409C1D78E}"/>
               </a:ext>
             </a:extLst>
           </p:cNvPr>
@@ -40292,7 +40373,7 @@
           <p:cNvPr id="137" name="그림 136">
             <a:extLst>
               <a:ext uri="{FF2B5EF4-FFF2-40B4-BE49-F238E27FC236}">
-                <a16:creationId xmlns="" xmlns:a16="http://schemas.microsoft.com/office/drawing/2014/main" id="{6695FDAD-3A1A-408D-88FE-6BABD0EFD97F}"/>
+                <a16:creationId xmlns:a16="http://schemas.microsoft.com/office/drawing/2014/main" id="{6695FDAD-3A1A-408D-88FE-6BABD0EFD97F}"/>
               </a:ext>
             </a:extLst>
           </p:cNvPr>
@@ -40322,7 +40403,7 @@
           <p:cNvPr id="138" name="그림 137">
             <a:extLst>
               <a:ext uri="{FF2B5EF4-FFF2-40B4-BE49-F238E27FC236}">
-                <a16:creationId xmlns="" xmlns:a16="http://schemas.microsoft.com/office/drawing/2014/main" id="{803445E5-6468-41C4-993A-B2E36C2D613B}"/>
+                <a16:creationId xmlns:a16="http://schemas.microsoft.com/office/drawing/2014/main" id="{803445E5-6468-41C4-993A-B2E36C2D613B}"/>
               </a:ext>
             </a:extLst>
           </p:cNvPr>
@@ -40352,7 +40433,7 @@
           <p:cNvPr id="139" name="그림 138">
             <a:extLst>
               <a:ext uri="{FF2B5EF4-FFF2-40B4-BE49-F238E27FC236}">
-                <a16:creationId xmlns="" xmlns:a16="http://schemas.microsoft.com/office/drawing/2014/main" id="{3E90D2CA-EEA4-491F-9974-247A51E25C12}"/>
+                <a16:creationId xmlns:a16="http://schemas.microsoft.com/office/drawing/2014/main" id="{3E90D2CA-EEA4-491F-9974-247A51E25C12}"/>
               </a:ext>
             </a:extLst>
           </p:cNvPr>
@@ -40382,7 +40463,7 @@
           <p:cNvPr id="140" name="그림 139">
             <a:extLst>
               <a:ext uri="{FF2B5EF4-FFF2-40B4-BE49-F238E27FC236}">
-                <a16:creationId xmlns="" xmlns:a16="http://schemas.microsoft.com/office/drawing/2014/main" id="{BE70B6CA-AF17-4856-B496-9077EF6582EF}"/>
+                <a16:creationId xmlns:a16="http://schemas.microsoft.com/office/drawing/2014/main" id="{BE70B6CA-AF17-4856-B496-9077EF6582EF}"/>
               </a:ext>
             </a:extLst>
           </p:cNvPr>
@@ -40412,7 +40493,7 @@
           <p:cNvPr id="141" name="그림 140">
             <a:extLst>
               <a:ext uri="{FF2B5EF4-FFF2-40B4-BE49-F238E27FC236}">
-                <a16:creationId xmlns="" xmlns:a16="http://schemas.microsoft.com/office/drawing/2014/main" id="{C5279156-5302-4409-A206-310FCBE8B56D}"/>
+                <a16:creationId xmlns:a16="http://schemas.microsoft.com/office/drawing/2014/main" id="{C5279156-5302-4409-A206-310FCBE8B56D}"/>
               </a:ext>
             </a:extLst>
           </p:cNvPr>
@@ -40442,7 +40523,7 @@
           <p:cNvPr id="142" name="그림 141">
             <a:extLst>
               <a:ext uri="{FF2B5EF4-FFF2-40B4-BE49-F238E27FC236}">
-                <a16:creationId xmlns="" xmlns:a16="http://schemas.microsoft.com/office/drawing/2014/main" id="{7797E23B-417A-4DE4-9A89-072AC9648571}"/>
+                <a16:creationId xmlns:a16="http://schemas.microsoft.com/office/drawing/2014/main" id="{7797E23B-417A-4DE4-9A89-072AC9648571}"/>
               </a:ext>
             </a:extLst>
           </p:cNvPr>
@@ -40472,7 +40553,7 @@
           <p:cNvPr id="143" name="그림 142">
             <a:extLst>
               <a:ext uri="{FF2B5EF4-FFF2-40B4-BE49-F238E27FC236}">
-                <a16:creationId xmlns="" xmlns:a16="http://schemas.microsoft.com/office/drawing/2014/main" id="{C7ADFE4A-CDB6-4E59-85FE-0ACFD3901A1D}"/>
+                <a16:creationId xmlns:a16="http://schemas.microsoft.com/office/drawing/2014/main" id="{C7ADFE4A-CDB6-4E59-85FE-0ACFD3901A1D}"/>
               </a:ext>
             </a:extLst>
           </p:cNvPr>
@@ -40502,7 +40583,7 @@
           <p:cNvPr id="144" name="그림 143">
             <a:extLst>
               <a:ext uri="{FF2B5EF4-FFF2-40B4-BE49-F238E27FC236}">
-                <a16:creationId xmlns="" xmlns:a16="http://schemas.microsoft.com/office/drawing/2014/main" id="{21318799-C651-4475-8007-63873B29BCE1}"/>
+                <a16:creationId xmlns:a16="http://schemas.microsoft.com/office/drawing/2014/main" id="{21318799-C651-4475-8007-63873B29BCE1}"/>
               </a:ext>
             </a:extLst>
           </p:cNvPr>
@@ -40527,6 +40608,63 @@
           </a:prstGeom>
         </p:spPr>
       </p:pic>
+      <p:sp>
+        <p:nvSpPr>
+          <p:cNvPr id="39" name="타원 38">
+            <a:extLst>
+              <a:ext uri="{FF2B5EF4-FFF2-40B4-BE49-F238E27FC236}">
+                <a16:creationId xmlns:a16="http://schemas.microsoft.com/office/drawing/2014/main" id="{95933D5E-6386-424D-9940-4162CB733FE1}"/>
+              </a:ext>
+            </a:extLst>
+          </p:cNvPr>
+          <p:cNvSpPr/>
+          <p:nvPr/>
+        </p:nvSpPr>
+        <p:spPr>
+          <a:xfrm>
+            <a:off x="7344308" y="3832553"/>
+            <a:ext cx="1332148" cy="1332148"/>
+          </a:xfrm>
+          <a:prstGeom prst="ellipse">
+            <a:avLst/>
+          </a:prstGeom>
+          <a:solidFill>
+            <a:srgbClr val="C00000"/>
+          </a:solidFill>
+          <a:ln/>
+        </p:spPr>
+        <p:style>
+          <a:lnRef idx="2">
+            <a:schemeClr val="accent2"/>
+          </a:lnRef>
+          <a:fillRef idx="1">
+            <a:schemeClr val="lt1"/>
+          </a:fillRef>
+          <a:effectRef idx="0">
+            <a:schemeClr val="accent2"/>
+          </a:effectRef>
+          <a:fontRef idx="minor">
+            <a:schemeClr val="dk1"/>
+          </a:fontRef>
+        </p:style>
+        <p:txBody>
+          <a:bodyPr rtlCol="0" anchor="ctr"/>
+          <a:lstStyle/>
+          <a:p>
+            <a:pPr algn="ctr"/>
+            <a:r>
+              <a:rPr lang="ko-KR" altLang="en-US" sz="1800" b="1">
+                <a:solidFill>
+                  <a:schemeClr val="bg1"/>
+                </a:solidFill>
+                <a:latin typeface="나눔고딕" pitchFamily="2" charset="-127"/>
+                <a:ea typeface="나눔고딕" pitchFamily="2" charset="-127"/>
+              </a:rPr>
+              <a:t>완료</a:t>
+            </a:r>
+          </a:p>
+        </p:txBody>
+      </p:sp>
     </p:spTree>
     <p:extLst>
       <p:ext uri="{BB962C8B-B14F-4D97-AF65-F5344CB8AC3E}">
@@ -40562,7 +40700,7 @@
           <p:cNvPr id="81" name="그룹 80">
             <a:extLst>
               <a:ext uri="{FF2B5EF4-FFF2-40B4-BE49-F238E27FC236}">
-                <a16:creationId xmlns="" xmlns:a16="http://schemas.microsoft.com/office/drawing/2014/main" id="{F370A855-FB8A-4191-B30F-EAB3AEE73651}"/>
+                <a16:creationId xmlns:a16="http://schemas.microsoft.com/office/drawing/2014/main" id="{F370A855-FB8A-4191-B30F-EAB3AEE73651}"/>
               </a:ext>
             </a:extLst>
           </p:cNvPr>
@@ -40582,7 +40720,7 @@
             <p:cNvPr id="82" name="그림 81">
               <a:extLst>
                 <a:ext uri="{FF2B5EF4-FFF2-40B4-BE49-F238E27FC236}">
-                  <a16:creationId xmlns="" xmlns:a16="http://schemas.microsoft.com/office/drawing/2014/main" id="{F964D446-5C19-45A1-B89D-B5A441B33191}"/>
+                  <a16:creationId xmlns:a16="http://schemas.microsoft.com/office/drawing/2014/main" id="{F964D446-5C19-45A1-B89D-B5A441B33191}"/>
                 </a:ext>
               </a:extLst>
             </p:cNvPr>
@@ -40612,7 +40750,7 @@
             <p:cNvPr id="83" name="Picture 4" descr="D:\[초등] 교과학습\2021년 1학기\1-4학년 21년 1학기 개발물\suh_0201_01_0001\common\contents\images\math\inequalIcon_2_blue.png">
               <a:extLst>
                 <a:ext uri="{FF2B5EF4-FFF2-40B4-BE49-F238E27FC236}">
-                  <a16:creationId xmlns="" xmlns:a16="http://schemas.microsoft.com/office/drawing/2014/main" id="{F317A370-5399-4C9C-9820-A88F65A1052F}"/>
+                  <a16:creationId xmlns:a16="http://schemas.microsoft.com/office/drawing/2014/main" id="{F317A370-5399-4C9C-9820-A88F65A1052F}"/>
                 </a:ext>
               </a:extLst>
             </p:cNvPr>
@@ -40675,7 +40813,7 @@
                 <a:gridCol w="2016125">
                   <a:extLst>
                     <a:ext uri="{9D8B030D-6E8A-4147-A177-3AD203B41FA5}">
-                      <a16:colId xmlns="" xmlns:a16="http://schemas.microsoft.com/office/drawing/2014/main" val="20000"/>
+                      <a16:colId xmlns:a16="http://schemas.microsoft.com/office/drawing/2014/main" val="20000"/>
                     </a:ext>
                   </a:extLst>
                 </a:gridCol>
@@ -40779,7 +40917,7 @@
                 </a:tc>
                 <a:extLst>
                   <a:ext uri="{0D108BD9-81ED-4DB2-BD59-A6C34878D82A}">
-                    <a16:rowId xmlns="" xmlns:a16="http://schemas.microsoft.com/office/drawing/2014/main" val="10000"/>
+                    <a16:rowId xmlns:a16="http://schemas.microsoft.com/office/drawing/2014/main" val="10000"/>
                   </a:ext>
                 </a:extLst>
               </a:tr>
@@ -42784,7 +42922,7 @@
           <p:cNvPr id="50" name="그림 49">
             <a:extLst>
               <a:ext uri="{FF2B5EF4-FFF2-40B4-BE49-F238E27FC236}">
-                <a16:creationId xmlns="" xmlns:a16="http://schemas.microsoft.com/office/drawing/2014/main" id="{37F14A07-C6D7-4D67-BDCE-59E593FDBE3F}"/>
+                <a16:creationId xmlns:a16="http://schemas.microsoft.com/office/drawing/2014/main" id="{37F14A07-C6D7-4D67-BDCE-59E593FDBE3F}"/>
               </a:ext>
             </a:extLst>
           </p:cNvPr>
@@ -42814,7 +42952,7 @@
           <p:cNvPr id="56" name="TextBox 55">
             <a:extLst>
               <a:ext uri="{FF2B5EF4-FFF2-40B4-BE49-F238E27FC236}">
-                <a16:creationId xmlns="" xmlns:a16="http://schemas.microsoft.com/office/drawing/2014/main" id="{685F8808-571E-4119-8FFA-C16CCABA6E2C}"/>
+                <a16:creationId xmlns:a16="http://schemas.microsoft.com/office/drawing/2014/main" id="{685F8808-571E-4119-8FFA-C16CCABA6E2C}"/>
               </a:ext>
             </a:extLst>
           </p:cNvPr>
@@ -42870,7 +43008,7 @@
           <p:cNvPr id="67" name="TextBox 66">
             <a:extLst>
               <a:ext uri="{FF2B5EF4-FFF2-40B4-BE49-F238E27FC236}">
-                <a16:creationId xmlns="" xmlns:a16="http://schemas.microsoft.com/office/drawing/2014/main" id="{32401EE8-9E8A-4D44-B2FD-D2ECA0858DCF}"/>
+                <a16:creationId xmlns:a16="http://schemas.microsoft.com/office/drawing/2014/main" id="{32401EE8-9E8A-4D44-B2FD-D2ECA0858DCF}"/>
               </a:ext>
             </a:extLst>
           </p:cNvPr>
@@ -42926,7 +43064,7 @@
           <p:cNvPr id="73" name="TextBox 72">
             <a:extLst>
               <a:ext uri="{FF2B5EF4-FFF2-40B4-BE49-F238E27FC236}">
-                <a16:creationId xmlns="" xmlns:a16="http://schemas.microsoft.com/office/drawing/2014/main" id="{23B47296-8F0D-47B2-9E12-0FD7FC98499E}"/>
+                <a16:creationId xmlns:a16="http://schemas.microsoft.com/office/drawing/2014/main" id="{23B47296-8F0D-47B2-9E12-0FD7FC98499E}"/>
               </a:ext>
             </a:extLst>
           </p:cNvPr>
@@ -42982,7 +43120,7 @@
           <p:cNvPr id="75" name="TextBox 74">
             <a:extLst>
               <a:ext uri="{FF2B5EF4-FFF2-40B4-BE49-F238E27FC236}">
-                <a16:creationId xmlns="" xmlns:a16="http://schemas.microsoft.com/office/drawing/2014/main" id="{E19130D0-11F9-40DA-B6AC-8C541B5569E3}"/>
+                <a16:creationId xmlns:a16="http://schemas.microsoft.com/office/drawing/2014/main" id="{E19130D0-11F9-40DA-B6AC-8C541B5569E3}"/>
               </a:ext>
             </a:extLst>
           </p:cNvPr>
@@ -43038,7 +43176,7 @@
           <p:cNvPr id="76" name="타원 75">
             <a:extLst>
               <a:ext uri="{FF2B5EF4-FFF2-40B4-BE49-F238E27FC236}">
-                <a16:creationId xmlns="" xmlns:a16="http://schemas.microsoft.com/office/drawing/2014/main" id="{7120CA15-C5DD-402A-9A32-11B04DF2BAEF}"/>
+                <a16:creationId xmlns:a16="http://schemas.microsoft.com/office/drawing/2014/main" id="{7120CA15-C5DD-402A-9A32-11B04DF2BAEF}"/>
               </a:ext>
             </a:extLst>
           </p:cNvPr>
@@ -43111,7 +43249,7 @@
           <p:cNvPr id="80" name="그림 79">
             <a:extLst>
               <a:ext uri="{FF2B5EF4-FFF2-40B4-BE49-F238E27FC236}">
-                <a16:creationId xmlns="" xmlns:a16="http://schemas.microsoft.com/office/drawing/2014/main" id="{FA087AF5-FF5D-49F1-8AC6-F6ACF9B393A9}"/>
+                <a16:creationId xmlns:a16="http://schemas.microsoft.com/office/drawing/2014/main" id="{FA087AF5-FF5D-49F1-8AC6-F6ACF9B393A9}"/>
               </a:ext>
             </a:extLst>
           </p:cNvPr>
@@ -43141,7 +43279,7 @@
           <p:cNvPr id="84" name="그룹 83">
             <a:extLst>
               <a:ext uri="{FF2B5EF4-FFF2-40B4-BE49-F238E27FC236}">
-                <a16:creationId xmlns="" xmlns:a16="http://schemas.microsoft.com/office/drawing/2014/main" id="{CDF88E0A-469B-4634-8021-CE729239F059}"/>
+                <a16:creationId xmlns:a16="http://schemas.microsoft.com/office/drawing/2014/main" id="{CDF88E0A-469B-4634-8021-CE729239F059}"/>
               </a:ext>
             </a:extLst>
           </p:cNvPr>
@@ -43161,7 +43299,7 @@
             <p:cNvPr id="85" name="그림 84">
               <a:extLst>
                 <a:ext uri="{FF2B5EF4-FFF2-40B4-BE49-F238E27FC236}">
-                  <a16:creationId xmlns="" xmlns:a16="http://schemas.microsoft.com/office/drawing/2014/main" id="{AEBAC210-D2F7-4F5D-94D0-F44955B53E6E}"/>
+                  <a16:creationId xmlns:a16="http://schemas.microsoft.com/office/drawing/2014/main" id="{AEBAC210-D2F7-4F5D-94D0-F44955B53E6E}"/>
                 </a:ext>
               </a:extLst>
             </p:cNvPr>
@@ -43191,7 +43329,7 @@
             <p:cNvPr id="87" name="Picture 4" descr="D:\[초등] 교과학습\2021년 1학기\1-4학년 21년 1학기 개발물\suh_0201_01_0001\common\contents\images\math\inequalIcon_2_blue.png">
               <a:extLst>
                 <a:ext uri="{FF2B5EF4-FFF2-40B4-BE49-F238E27FC236}">
-                  <a16:creationId xmlns="" xmlns:a16="http://schemas.microsoft.com/office/drawing/2014/main" id="{2F158CE8-E226-4C1D-81E9-7E8EFFBB27DA}"/>
+                  <a16:creationId xmlns:a16="http://schemas.microsoft.com/office/drawing/2014/main" id="{2F158CE8-E226-4C1D-81E9-7E8EFFBB27DA}"/>
                 </a:ext>
               </a:extLst>
             </p:cNvPr>
@@ -43239,7 +43377,7 @@
           <p:cNvPr id="52" name="그림 51">
             <a:extLst>
               <a:ext uri="{FF2B5EF4-FFF2-40B4-BE49-F238E27FC236}">
-                <a16:creationId xmlns="" xmlns:a16="http://schemas.microsoft.com/office/drawing/2014/main" id="{D8F7CA00-9E22-41E5-92FA-8DB246B71EA1}"/>
+                <a16:creationId xmlns:a16="http://schemas.microsoft.com/office/drawing/2014/main" id="{D8F7CA00-9E22-41E5-92FA-8DB246B71EA1}"/>
               </a:ext>
             </a:extLst>
           </p:cNvPr>
@@ -43264,6 +43402,63 @@
           </a:prstGeom>
         </p:spPr>
       </p:pic>
+      <p:sp>
+        <p:nvSpPr>
+          <p:cNvPr id="77" name="타원 76">
+            <a:extLst>
+              <a:ext uri="{FF2B5EF4-FFF2-40B4-BE49-F238E27FC236}">
+                <a16:creationId xmlns:a16="http://schemas.microsoft.com/office/drawing/2014/main" id="{89519990-7C39-4306-B6BE-33853BCC0F7A}"/>
+              </a:ext>
+            </a:extLst>
+          </p:cNvPr>
+          <p:cNvSpPr/>
+          <p:nvPr/>
+        </p:nvSpPr>
+        <p:spPr>
+          <a:xfrm>
+            <a:off x="7344308" y="3832553"/>
+            <a:ext cx="1332148" cy="1332148"/>
+          </a:xfrm>
+          <a:prstGeom prst="ellipse">
+            <a:avLst/>
+          </a:prstGeom>
+          <a:solidFill>
+            <a:srgbClr val="C00000"/>
+          </a:solidFill>
+          <a:ln/>
+        </p:spPr>
+        <p:style>
+          <a:lnRef idx="2">
+            <a:schemeClr val="accent2"/>
+          </a:lnRef>
+          <a:fillRef idx="1">
+            <a:schemeClr val="lt1"/>
+          </a:fillRef>
+          <a:effectRef idx="0">
+            <a:schemeClr val="accent2"/>
+          </a:effectRef>
+          <a:fontRef idx="minor">
+            <a:schemeClr val="dk1"/>
+          </a:fontRef>
+        </p:style>
+        <p:txBody>
+          <a:bodyPr rtlCol="0" anchor="ctr"/>
+          <a:lstStyle/>
+          <a:p>
+            <a:pPr algn="ctr"/>
+            <a:r>
+              <a:rPr lang="ko-KR" altLang="en-US" sz="1800" b="1">
+                <a:solidFill>
+                  <a:schemeClr val="bg1"/>
+                </a:solidFill>
+                <a:latin typeface="나눔고딕" pitchFamily="2" charset="-127"/>
+                <a:ea typeface="나눔고딕" pitchFamily="2" charset="-127"/>
+              </a:rPr>
+              <a:t>완료</a:t>
+            </a:r>
+          </a:p>
+        </p:txBody>
+      </p:sp>
     </p:spTree>
     <p:extLst>
       <p:ext uri="{BB962C8B-B14F-4D97-AF65-F5344CB8AC3E}">
@@ -43299,7 +43494,7 @@
           <p:cNvPr id="93" name="Picture 8" descr="D:\[초등] 교과학습\2021년 1학기\수학 SB캡쳐\icon_O_2.png">
             <a:extLst>
               <a:ext uri="{FF2B5EF4-FFF2-40B4-BE49-F238E27FC236}">
-                <a16:creationId xmlns="" xmlns:a16="http://schemas.microsoft.com/office/drawing/2014/main" id="{FADC23ED-7DA8-45E4-A2B3-52B9D4E594A6}"/>
+                <a16:creationId xmlns:a16="http://schemas.microsoft.com/office/drawing/2014/main" id="{FADC23ED-7DA8-45E4-A2B3-52B9D4E594A6}"/>
               </a:ext>
             </a:extLst>
           </p:cNvPr>
@@ -43361,7 +43556,7 @@
                 <a:gridCol w="2016125">
                   <a:extLst>
                     <a:ext uri="{9D8B030D-6E8A-4147-A177-3AD203B41FA5}">
-                      <a16:colId xmlns="" xmlns:a16="http://schemas.microsoft.com/office/drawing/2014/main" val="20000"/>
+                      <a16:colId xmlns:a16="http://schemas.microsoft.com/office/drawing/2014/main" val="20000"/>
                     </a:ext>
                   </a:extLst>
                 </a:gridCol>
@@ -43465,7 +43660,7 @@
                 </a:tc>
                 <a:extLst>
                   <a:ext uri="{0D108BD9-81ED-4DB2-BD59-A6C34878D82A}">
-                    <a16:rowId xmlns="" xmlns:a16="http://schemas.microsoft.com/office/drawing/2014/main" val="10000"/>
+                    <a16:rowId xmlns:a16="http://schemas.microsoft.com/office/drawing/2014/main" val="10000"/>
                   </a:ext>
                 </a:extLst>
               </a:tr>
@@ -45100,7 +45295,7 @@
           <p:cNvPr id="39" name="Picture 4" descr="D:\[초등] 교과학습\2021년 1학기\수학 SB캡쳐\icon_O_title.png">
             <a:extLst>
               <a:ext uri="{FF2B5EF4-FFF2-40B4-BE49-F238E27FC236}">
-                <a16:creationId xmlns="" xmlns:a16="http://schemas.microsoft.com/office/drawing/2014/main" id="{C831BBE3-42D0-40C4-AA30-4B1672CF8F68}"/>
+                <a16:creationId xmlns:a16="http://schemas.microsoft.com/office/drawing/2014/main" id="{C831BBE3-42D0-40C4-AA30-4B1672CF8F68}"/>
               </a:ext>
             </a:extLst>
           </p:cNvPr>
@@ -45147,7 +45342,7 @@
           <p:cNvPr id="42" name="Picture 1" descr="D:\[초등] 교과학습\2021년 1학기\1-4학년 21년 1학기 개발물\suh_0201_01_0001\common\contents\images\math\inequalIcon.png">
             <a:extLst>
               <a:ext uri="{FF2B5EF4-FFF2-40B4-BE49-F238E27FC236}">
-                <a16:creationId xmlns="" xmlns:a16="http://schemas.microsoft.com/office/drawing/2014/main" id="{8E5088B4-5AD0-4D14-88A7-477FDC5B6D52}"/>
+                <a16:creationId xmlns:a16="http://schemas.microsoft.com/office/drawing/2014/main" id="{8E5088B4-5AD0-4D14-88A7-477FDC5B6D52}"/>
               </a:ext>
             </a:extLst>
           </p:cNvPr>
@@ -45201,7 +45396,7 @@
           <p:cNvPr id="44" name="Picture 1" descr="D:\[초등] 교과학습\2021년 1학기\1-4학년 21년 1학기 개발물\suh_0201_01_0001\common\contents\images\math\inequalIcon.png">
             <a:extLst>
               <a:ext uri="{FF2B5EF4-FFF2-40B4-BE49-F238E27FC236}">
-                <a16:creationId xmlns="" xmlns:a16="http://schemas.microsoft.com/office/drawing/2014/main" id="{39B30756-72E9-4A05-A59F-B118A1F10DC9}"/>
+                <a16:creationId xmlns:a16="http://schemas.microsoft.com/office/drawing/2014/main" id="{39B30756-72E9-4A05-A59F-B118A1F10DC9}"/>
               </a:ext>
             </a:extLst>
           </p:cNvPr>
@@ -45255,7 +45450,7 @@
           <p:cNvPr id="50" name="그림 49">
             <a:extLst>
               <a:ext uri="{FF2B5EF4-FFF2-40B4-BE49-F238E27FC236}">
-                <a16:creationId xmlns="" xmlns:a16="http://schemas.microsoft.com/office/drawing/2014/main" id="{37F14A07-C6D7-4D67-BDCE-59E593FDBE3F}"/>
+                <a16:creationId xmlns:a16="http://schemas.microsoft.com/office/drawing/2014/main" id="{37F14A07-C6D7-4D67-BDCE-59E593FDBE3F}"/>
               </a:ext>
             </a:extLst>
           </p:cNvPr>
@@ -45285,7 +45480,7 @@
           <p:cNvPr id="52" name="그림 51">
             <a:extLst>
               <a:ext uri="{FF2B5EF4-FFF2-40B4-BE49-F238E27FC236}">
-                <a16:creationId xmlns="" xmlns:a16="http://schemas.microsoft.com/office/drawing/2014/main" id="{D8F7CA00-9E22-41E5-92FA-8DB246B71EA1}"/>
+                <a16:creationId xmlns:a16="http://schemas.microsoft.com/office/drawing/2014/main" id="{D8F7CA00-9E22-41E5-92FA-8DB246B71EA1}"/>
               </a:ext>
             </a:extLst>
           </p:cNvPr>
@@ -45315,7 +45510,7 @@
           <p:cNvPr id="56" name="TextBox 55">
             <a:extLst>
               <a:ext uri="{FF2B5EF4-FFF2-40B4-BE49-F238E27FC236}">
-                <a16:creationId xmlns="" xmlns:a16="http://schemas.microsoft.com/office/drawing/2014/main" id="{685F8808-571E-4119-8FFA-C16CCABA6E2C}"/>
+                <a16:creationId xmlns:a16="http://schemas.microsoft.com/office/drawing/2014/main" id="{685F8808-571E-4119-8FFA-C16CCABA6E2C}"/>
               </a:ext>
             </a:extLst>
           </p:cNvPr>
@@ -45371,7 +45566,7 @@
           <p:cNvPr id="67" name="TextBox 66">
             <a:extLst>
               <a:ext uri="{FF2B5EF4-FFF2-40B4-BE49-F238E27FC236}">
-                <a16:creationId xmlns="" xmlns:a16="http://schemas.microsoft.com/office/drawing/2014/main" id="{32401EE8-9E8A-4D44-B2FD-D2ECA0858DCF}"/>
+                <a16:creationId xmlns:a16="http://schemas.microsoft.com/office/drawing/2014/main" id="{32401EE8-9E8A-4D44-B2FD-D2ECA0858DCF}"/>
               </a:ext>
             </a:extLst>
           </p:cNvPr>
@@ -45427,7 +45622,7 @@
           <p:cNvPr id="73" name="TextBox 72">
             <a:extLst>
               <a:ext uri="{FF2B5EF4-FFF2-40B4-BE49-F238E27FC236}">
-                <a16:creationId xmlns="" xmlns:a16="http://schemas.microsoft.com/office/drawing/2014/main" id="{23B47296-8F0D-47B2-9E12-0FD7FC98499E}"/>
+                <a16:creationId xmlns:a16="http://schemas.microsoft.com/office/drawing/2014/main" id="{23B47296-8F0D-47B2-9E12-0FD7FC98499E}"/>
               </a:ext>
             </a:extLst>
           </p:cNvPr>
@@ -45483,7 +45678,7 @@
           <p:cNvPr id="75" name="TextBox 74">
             <a:extLst>
               <a:ext uri="{FF2B5EF4-FFF2-40B4-BE49-F238E27FC236}">
-                <a16:creationId xmlns="" xmlns:a16="http://schemas.microsoft.com/office/drawing/2014/main" id="{E19130D0-11F9-40DA-B6AC-8C541B5569E3}"/>
+                <a16:creationId xmlns:a16="http://schemas.microsoft.com/office/drawing/2014/main" id="{E19130D0-11F9-40DA-B6AC-8C541B5569E3}"/>
               </a:ext>
             </a:extLst>
           </p:cNvPr>
@@ -45539,7 +45734,7 @@
           <p:cNvPr id="77" name="TextBox 76">
             <a:extLst>
               <a:ext uri="{FF2B5EF4-FFF2-40B4-BE49-F238E27FC236}">
-                <a16:creationId xmlns="" xmlns:a16="http://schemas.microsoft.com/office/drawing/2014/main" id="{119139A3-EB9F-4856-A624-A157165C1E47}"/>
+                <a16:creationId xmlns:a16="http://schemas.microsoft.com/office/drawing/2014/main" id="{119139A3-EB9F-4856-A624-A157165C1E47}"/>
               </a:ext>
             </a:extLst>
           </p:cNvPr>
@@ -45596,7 +45791,7 @@
           <p:cNvPr id="79" name="그룹 78">
             <a:extLst>
               <a:ext uri="{FF2B5EF4-FFF2-40B4-BE49-F238E27FC236}">
-                <a16:creationId xmlns="" xmlns:a16="http://schemas.microsoft.com/office/drawing/2014/main" id="{E21C2159-420F-446E-9CD3-8DFE388F2402}"/>
+                <a16:creationId xmlns:a16="http://schemas.microsoft.com/office/drawing/2014/main" id="{E21C2159-420F-446E-9CD3-8DFE388F2402}"/>
               </a:ext>
             </a:extLst>
           </p:cNvPr>
@@ -45616,7 +45811,7 @@
             <p:cNvPr id="80" name="직사각형 79">
               <a:extLst>
                 <a:ext uri="{FF2B5EF4-FFF2-40B4-BE49-F238E27FC236}">
-                  <a16:creationId xmlns="" xmlns:a16="http://schemas.microsoft.com/office/drawing/2014/main" id="{357CDFA6-0A78-4F82-A61C-A3018193C6AF}"/>
+                  <a16:creationId xmlns:a16="http://schemas.microsoft.com/office/drawing/2014/main" id="{357CDFA6-0A78-4F82-A61C-A3018193C6AF}"/>
                 </a:ext>
               </a:extLst>
             </p:cNvPr>
@@ -45675,7 +45870,7 @@
             <p:cNvPr id="81" name="모서리가 둥근 직사각형 40">
               <a:extLst>
                 <a:ext uri="{FF2B5EF4-FFF2-40B4-BE49-F238E27FC236}">
-                  <a16:creationId xmlns="" xmlns:a16="http://schemas.microsoft.com/office/drawing/2014/main" id="{3F6AA52C-7AE2-45CE-93DE-B003A7DC73D3}"/>
+                  <a16:creationId xmlns:a16="http://schemas.microsoft.com/office/drawing/2014/main" id="{3F6AA52C-7AE2-45CE-93DE-B003A7DC73D3}"/>
                 </a:ext>
               </a:extLst>
             </p:cNvPr>
@@ -45736,7 +45931,7 @@
             <p:cNvPr id="82" name="TextBox 43">
               <a:extLst>
                 <a:ext uri="{FF2B5EF4-FFF2-40B4-BE49-F238E27FC236}">
-                  <a16:creationId xmlns="" xmlns:a16="http://schemas.microsoft.com/office/drawing/2014/main" id="{7711EC71-00A1-4B71-80DE-A6AFF956029D}"/>
+                  <a16:creationId xmlns:a16="http://schemas.microsoft.com/office/drawing/2014/main" id="{7711EC71-00A1-4B71-80DE-A6AFF956029D}"/>
                 </a:ext>
               </a:extLst>
             </p:cNvPr>
@@ -45902,7 +46097,7 @@
             <p:cNvPr id="83" name="TextBox 82">
               <a:extLst>
                 <a:ext uri="{FF2B5EF4-FFF2-40B4-BE49-F238E27FC236}">
-                  <a16:creationId xmlns="" xmlns:a16="http://schemas.microsoft.com/office/drawing/2014/main" id="{6A315668-B9EF-477B-A1CA-82BA146F6D95}"/>
+                  <a16:creationId xmlns:a16="http://schemas.microsoft.com/office/drawing/2014/main" id="{6A315668-B9EF-477B-A1CA-82BA146F6D95}"/>
                 </a:ext>
               </a:extLst>
             </p:cNvPr>
@@ -46068,7 +46263,7 @@
             <p:cNvPr id="84" name="TextBox 43">
               <a:extLst>
                 <a:ext uri="{FF2B5EF4-FFF2-40B4-BE49-F238E27FC236}">
-                  <a16:creationId xmlns="" xmlns:a16="http://schemas.microsoft.com/office/drawing/2014/main" id="{CC47CEBD-1B8C-4FC0-AECA-5B6D80C9A90A}"/>
+                  <a16:creationId xmlns:a16="http://schemas.microsoft.com/office/drawing/2014/main" id="{CC47CEBD-1B8C-4FC0-AECA-5B6D80C9A90A}"/>
                 </a:ext>
               </a:extLst>
             </p:cNvPr>
@@ -46248,7 +46443,7 @@
             <p:cNvPr id="85" name="TextBox 43">
               <a:extLst>
                 <a:ext uri="{FF2B5EF4-FFF2-40B4-BE49-F238E27FC236}">
-                  <a16:creationId xmlns="" xmlns:a16="http://schemas.microsoft.com/office/drawing/2014/main" id="{1A35C867-A7A1-43E5-AD81-F1ACEE7DAB83}"/>
+                  <a16:creationId xmlns:a16="http://schemas.microsoft.com/office/drawing/2014/main" id="{1A35C867-A7A1-43E5-AD81-F1ACEE7DAB83}"/>
                 </a:ext>
               </a:extLst>
             </p:cNvPr>
@@ -46429,7 +46624,7 @@
           <p:cNvPr id="87" name="Picture 31">
             <a:extLst>
               <a:ext uri="{FF2B5EF4-FFF2-40B4-BE49-F238E27FC236}">
-                <a16:creationId xmlns="" xmlns:a16="http://schemas.microsoft.com/office/drawing/2014/main" id="{8ED5E44E-6CEA-4F57-A4A8-D5660625C473}"/>
+                <a16:creationId xmlns:a16="http://schemas.microsoft.com/office/drawing/2014/main" id="{8ED5E44E-6CEA-4F57-A4A8-D5660625C473}"/>
               </a:ext>
             </a:extLst>
           </p:cNvPr>
@@ -46499,7 +46694,7 @@
           <p:cNvPr id="89" name="Picture 31">
             <a:extLst>
               <a:ext uri="{FF2B5EF4-FFF2-40B4-BE49-F238E27FC236}">
-                <a16:creationId xmlns="" xmlns:a16="http://schemas.microsoft.com/office/drawing/2014/main" id="{F64D04B8-649E-46B2-B8AA-4F044D6A29D9}"/>
+                <a16:creationId xmlns:a16="http://schemas.microsoft.com/office/drawing/2014/main" id="{F64D04B8-649E-46B2-B8AA-4F044D6A29D9}"/>
               </a:ext>
             </a:extLst>
           </p:cNvPr>
@@ -46569,7 +46764,7 @@
           <p:cNvPr id="90" name="직각 삼각형 89">
             <a:extLst>
               <a:ext uri="{FF2B5EF4-FFF2-40B4-BE49-F238E27FC236}">
-                <a16:creationId xmlns="" xmlns:a16="http://schemas.microsoft.com/office/drawing/2014/main" id="{3F6F7AB9-67B5-46D8-8CC8-BA30AAD75997}"/>
+                <a16:creationId xmlns:a16="http://schemas.microsoft.com/office/drawing/2014/main" id="{3F6F7AB9-67B5-46D8-8CC8-BA30AAD75997}"/>
               </a:ext>
             </a:extLst>
           </p:cNvPr>
@@ -46715,7 +46910,7 @@
           <p:cNvPr id="94" name="Picture 8" descr="D:\[초등] 교과학습\2021년 1학기\수학 SB캡쳐\icon_O_2.png">
             <a:extLst>
               <a:ext uri="{FF2B5EF4-FFF2-40B4-BE49-F238E27FC236}">
-                <a16:creationId xmlns="" xmlns:a16="http://schemas.microsoft.com/office/drawing/2014/main" id="{86C72017-49E8-40F1-AC4F-C34C31008496}"/>
+                <a16:creationId xmlns:a16="http://schemas.microsoft.com/office/drawing/2014/main" id="{86C72017-49E8-40F1-AC4F-C34C31008496}"/>
               </a:ext>
             </a:extLst>
           </p:cNvPr>
@@ -46762,7 +46957,7 @@
           <p:cNvPr id="95" name="TextBox 94">
             <a:extLst>
               <a:ext uri="{FF2B5EF4-FFF2-40B4-BE49-F238E27FC236}">
-                <a16:creationId xmlns="" xmlns:a16="http://schemas.microsoft.com/office/drawing/2014/main" id="{17E9AE6A-D3D1-4E4E-B09B-ECE65F4F79CE}"/>
+                <a16:creationId xmlns:a16="http://schemas.microsoft.com/office/drawing/2014/main" id="{17E9AE6A-D3D1-4E4E-B09B-ECE65F4F79CE}"/>
               </a:ext>
             </a:extLst>
           </p:cNvPr>
@@ -46834,6 +47029,63 @@
                 <a:ea typeface="맑은 고딕" panose="020B0503020000020004" pitchFamily="50" charset="-127"/>
               </a:rPr>
               <a:t>    </a:t>
+            </a:r>
+          </a:p>
+        </p:txBody>
+      </p:sp>
+      <p:sp>
+        <p:nvSpPr>
+          <p:cNvPr id="68" name="타원 67">
+            <a:extLst>
+              <a:ext uri="{FF2B5EF4-FFF2-40B4-BE49-F238E27FC236}">
+                <a16:creationId xmlns:a16="http://schemas.microsoft.com/office/drawing/2014/main" id="{F8804E03-2C56-4109-85C9-C535D369C263}"/>
+              </a:ext>
+            </a:extLst>
+          </p:cNvPr>
+          <p:cNvSpPr/>
+          <p:nvPr/>
+        </p:nvSpPr>
+        <p:spPr>
+          <a:xfrm>
+            <a:off x="7344308" y="3832553"/>
+            <a:ext cx="1332148" cy="1332148"/>
+          </a:xfrm>
+          <a:prstGeom prst="ellipse">
+            <a:avLst/>
+          </a:prstGeom>
+          <a:solidFill>
+            <a:srgbClr val="C00000"/>
+          </a:solidFill>
+          <a:ln/>
+        </p:spPr>
+        <p:style>
+          <a:lnRef idx="2">
+            <a:schemeClr val="accent2"/>
+          </a:lnRef>
+          <a:fillRef idx="1">
+            <a:schemeClr val="lt1"/>
+          </a:fillRef>
+          <a:effectRef idx="0">
+            <a:schemeClr val="accent2"/>
+          </a:effectRef>
+          <a:fontRef idx="minor">
+            <a:schemeClr val="dk1"/>
+          </a:fontRef>
+        </p:style>
+        <p:txBody>
+          <a:bodyPr rtlCol="0" anchor="ctr"/>
+          <a:lstStyle/>
+          <a:p>
+            <a:pPr algn="ctr"/>
+            <a:r>
+              <a:rPr lang="ko-KR" altLang="en-US" sz="1800" b="1">
+                <a:solidFill>
+                  <a:schemeClr val="bg1"/>
+                </a:solidFill>
+                <a:latin typeface="나눔고딕" pitchFamily="2" charset="-127"/>
+                <a:ea typeface="나눔고딕" pitchFamily="2" charset="-127"/>
+              </a:rPr>
+              <a:t>완료</a:t>
             </a:r>
           </a:p>
         </p:txBody>
